--- a/CS4273 - Introduce to Software Engineering/Lab 3. Design.pptx
+++ b/CS4273 - Introduce to Software Engineering/Lab 3. Design.pptx
@@ -4,6 +4,9 @@
   <p:sldMasterIdLst>
     <p:sldMasterId id="2147483648" r:id="rId1"/>
   </p:sldMasterIdLst>
+  <p:notesMasterIdLst>
+    <p:notesMasterId r:id="rId15"/>
+  </p:notesMasterIdLst>
   <p:sldIdLst>
     <p:sldId id="256" r:id="rId2"/>
     <p:sldId id="263" r:id="rId3"/>
@@ -15,10 +18,9 @@
     <p:sldId id="271" r:id="rId9"/>
     <p:sldId id="272" r:id="rId10"/>
     <p:sldId id="273" r:id="rId11"/>
-    <p:sldId id="274" r:id="rId12"/>
-    <p:sldId id="275" r:id="rId13"/>
-    <p:sldId id="276" r:id="rId14"/>
-    <p:sldId id="266" r:id="rId15"/>
+    <p:sldId id="275" r:id="rId12"/>
+    <p:sldId id="276" r:id="rId13"/>
+    <p:sldId id="266" r:id="rId14"/>
   </p:sldIdLst>
   <p:sldSz cx="12192000" cy="6858000"/>
   <p:notesSz cx="6858000" cy="9144000"/>
@@ -185,7 +187,7 @@
   <inkml:trace contextRef="#ctx0" brushRef="#br0" timeOffset="10062.99">23209 6525 0,'0'50'62,"0"24"-46,0-24 0,0 25-16,0 99 15,0-25-15,0 51 0,25-26 16,-1 25-16,1 0 16,25 26-1,-25-26-15,0 25 16,25 50-16,-25 25 15,0-25-15,-1 24 16,26 1-16,-50 0 16,50-50-16,-25 25 15,0 0-15,0-50 16,0 25-16,0 0 16,-1 0-16,-24 25 15,25 0-15,0-25 16,0 0-16,-25-25 15,0 0-15,0-25 16,0 1-16,0-1 16,0-25-16,25-24 15,-25-1 1,0 0-16,0-24 16,0-1-16,0-24 15,0 0-15,0 24 16,0-24-16,0-1 15,0 1-15,0-25 16,0-1-16,0-49 16,0 0-16,0 75 15,0-75-15,0 74 16,-25-49-16,25 0 16,0 0-16,-25 24 15,25-49-15,0 25 16,-25 0-16,25-25 15,0 0 1,0 0-16,0 0 16,0-1-16,0 1 15,0 0-15,0 0 141,25-25-125,25 0-1,75 0-15,-26 0 16,-49 0-16,50 0 15,49 0-15,0 0 16,51 0-16,-26 0 16,50 0-1,-50 0-15,51 0 16,-1 0-16,25 0 16,0 0-16,0 0 15,-25 0-15,25 0 16,0 0-16,-75 0 15,-24 0-15,24 0 16,-25 0-16,26 0 16,-26 0-16,25 0 15,-49 0-15,-1 0 16,26 0-16,-51 0 16,26 25-16,-26 0 15,26 0-15,0-25 16,-1 0-1,-24 0-15,24 0 0,1 25 16,-1-25 0,1 25-16,-26 0 0,26-25 15,-26 0-15,1 0 16,49 0 0,-49 0-16,0 24 15,-1 1-15,1-25 16,-1 25-16,-24-25 15,0 0-15,24 0 16,-49 0-16,25 0 16,-25 0-16,0 0 15,24 0-15,1 0 16,0 0-16,-1 0 16,-49 0-16,50 0 15,-50 0 1,0 25-16,0-25 15,0 0-15,0 0 32,-1 0-32,26 0 31,-25 0-15,0 0-1,0 0-15,0 0 16,0 0-16,49 0 15,-24 0-15,-25 0 16,0 0-16,0 0 16,0 0-1,0 0 1,-25-25 15,25 0-15,0-24-16,-1-1 15,-24 25 1,0-75-16</inkml:trace>
   <inkml:trace contextRef="#ctx0" brushRef="#br0" timeOffset="13717.57">23258 6251 0,'0'25'32,"25"-25"-17,50 0-15,50 0 0,-26 0 16,1 0 0,-50 0-16,49 0 15,75 0-15,-24 0 16,49 0-16,25 0 15,-25 0-15,50 0 16,0 0-16,-24 0 16,49 25-16,-50-25 15,0 0-15,0 0 16,-25 0 0,0 0-16,1 0 15,-26 0-15,25 0 0,-50 0 16,1 0-1,24 0-15,-24 0 0,-1 0 16,-24 25 0,24-25-16,-25 0 15,1 0-15,49 0 16,-24 0-16,24 0 16,-49 0-16,24 0 0,25 0 15,-24 0 1,24 0-16,-50 0 15,26 0-15,24 0 16,-24 0-16,24 0 16,-25 0-16,1 0 15,-26 0-15,1 0 16,-1 0-16,1 0 16,-26 0-16,26 0 15,-50 0 1,24 0-16,-24 0 15,-25 0-15,24 0 16,1 0-16,-25 0 16,0 0-16,24 0 0,-24 0 15,0 0 1,0 0-16,25 0 16,-26 0-16,-24 0 15,25 0-15,-25 0 16,0 0-1,0 0-15,0 0 16,24 0-16,-24 0 16,25 0-16,-25 0 15,0 0 1,50 0-16,-50 0 0,0 0 16,-1 0-1,1 0 63,0 74-78,-25-24 16,0 0-16,25 49 16,-25 1-16,25-25 15,-25-1-15,0-24 16,0 0-16,0 25 15,0 49-15,0-49 16,0 0-16,0 24 16,0-24-16,0 0 15,0-1-15,0-24 16,0 0-16,0-25 16,0 50-1,0-26-15,0 26 16,0-25-16,0 0 0,0 0 15,0-1 1,0 1-16,0-25 0,0 50 16,0-25-1,0-1-15,0 1 16,0 0-16,0 0 16,0 49-16,0-24 15,25 0-15,0 24 16,-25-24-16,0 0 15,0-50-15,0 49 16,0-49-16,0 25 16,0 0-1,0 0-15,0-25 16,0 24-16,0 1 0,0-25 16,0 0-16,0 0 15,0 25-15,0-25 16,0 24-1,0 1-15,0 0 16,0 0-16,0-25 16,0 50-16,0-26 15,0 1-15,0 50 16,0-50-16,0 49 16,0-74-16,0 50 15,0-25-15,0-1 16,0 1-16,0 50 15,0-26-15,0-24 16,0 25-16,0-50 16,0 25-16,0-1 15,0-24-15,0 50 16,0-25 0,0-25-16,0 50 15,0-51-15,0 51 0,0-25 16,0 0-1,0 0-15,25 24 16,0-24-16,-25 25 16,0-1-16,0-24 15,0 25-15,0-25 16,0 49-16,0-24 16,0-25-16,0 0 15,0 49-15,0-24 16,0-25-16,25 49 15,-25-49-15,0 0 16,0 0-16,0-25 16,0 49-16,0-24 15,0 0-15,0-25 16,0 25-16,0-25 16,0 24-16,0 1 31,0-25-31,0 25 15,0 0 1,0 0-16,0-1 16,0-24-16,0 0 15,0 0-15,0 0 16,0 50-16,0-26 16,0 1-16,0 0 15,0 0-15,0 25 16,0-26-16,0 51 15,0-50-15,0 49 16,0-49-16,0 0 16,0 50-16,0-26 15,0 1-15,0 0 16,0-25 0,0-1-16,0 51 15,0 0-15,0-1 0,0-24 16,0 49-16,0-49 15,0-25 1,0 50-16,0-26 16,0-24-16,0 25 15,0-50-15,-25 24 16,25 1-16,0 0 16,0-25-1,0 0-15,0 25 16,0-25-16,0-1 15,-25 26-15,25 0 16,0-25 0,-25 25-1,25 0-15,0-26 16,0 51-16,0-50 16,0 25-1,0 25-15,0-50 16,0-1-16,0 1 15,0 0-15,0 0 16,0 0-16,0 0 16,0 0-16,0 25 15,0-25-15,0-1 16,0 1-16,0 25 16,0 0-16,0 0 15,0 0-15,0-26 16,0 1-16,-25 0 15,25 0-15,0 25 16,0-25-16,0 0 16,-25 0 171,0-25-187,0 0 16,-74 0-1,49 0-15,0 0 16,0 0-16,0 0 16,1-25-16,-1 25 15,25 0-15,0 0 16,0 0 0,25-25-16,-25 25 15,0-25-15,25 0 203,0-50-203</inkml:trace>
   <inkml:trace contextRef="#ctx0" brushRef="#br0" timeOffset="17280.16">5553 16859 0,'50'0'32,"-50"50"-17,50 25 1,-50 49-16,25-74 16,0 25-16,-25-1 0,24 26 15,1 0-15,-25-1 16,25-24-16,0 24 15,-25-49 1,0 0-16,25-50 16,-25-25 62</inkml:trace>
-  <inkml:trace contextRef="#ctx0" brushRef="#br0" timeOffset="17737.15">5976 16984 0,'0'24'47,"0"26"-32,0-25-15,0 0 16,0 25-16,25 0 16,-25-1-16,50 51 15,-50-50-15,50 25 16,-50-50-16,0-1 16,0 1-16,0 0 15,0 0-15,25 0 16,-25 25-1,0-25 17</inkml:trace>
+  <inkml:trace contextRef="#ctx0" brushRef="#br0" timeOffset="17737.14">5976 16984 0,'0'24'47,"0"26"-32,0-25-15,0 0 16,0 25-16,25 0 16,-25-1-16,50 51 15,-50-50-15,50 25 16,-50-50-16,0-1 16,0 1-16,0 0 15,0 0-15,25 0 16,-25 25-1,0-25 17</inkml:trace>
   <inkml:trace contextRef="#ctx0" brushRef="#br0" timeOffset="18089.45">5727 17556 0,'0'-25'15,"0"1"17,25-1-17,0 25-15,0 0 16,-25-25-16,25 25 15,0-25-15,0 25 16,0 0 0,0-25-16</inkml:trace>
   <inkml:trace contextRef="#ctx0" brushRef="#br0" timeOffset="18957.07">6300 17407 0,'-50'0'125,"25"25"-109,25 0-1,0 0 1,0 0 0,0 24-16,0-24 15,0 0 1,25-25-16,0 0 31,0 0-15,0 0-16,0 0 15,0 0-15,0 0 16,25 0 31,-50-25-31,0 0-16,0 0 15,0 1 1,0-1-16,0 0 15,0 0-15,0 0 16,0-25 0,0 25 46,-25 25-31,0 25-15,0-25-16,0 25 16</inkml:trace>
   <inkml:trace contextRef="#ctx0" brushRef="#br0" timeOffset="21279.86">6599 17407 0,'25'0'47,"-25"25"-47,0 0 15,0 25 1,0-1-16,0-24 15,0 0-15,0 0 16,0 0 0,0-50 93,0-50-93,0 50-16,0-24 31,0 24-31,0 0 16,0 0-16,25-25 15,0 50 1,0 0 31,0 0-16,-1 0-15,1 25-1,-25 0 1,25 0-1,-25 0 1,0 0 0,25-25-1,-25 25 1,0-1-16,0 1 16,0 0-1,0 0 1,0-50 171,0 0-187,0 0 0,0-24 16,25 24-16,-25 0 16,0 0-1,0 0-15,25 0 31,0 25 16,0 0-31,0 0 0,0 0 15,-1 0-31,1 0 47,-25 25-32,0 0-15,0 0 32,0 25-32,0 24 15,0-49 1,0 0-1,0 0-15,0 0 16,25 0 31,0-25-16,0 0-15,0 0-1,0 0-15,0 0 32,-25-25-32,25 25 15,-25-25-15,25 25 16,-25-25-16,24 0 16,-24-25-1,25 50 1,-25-24-16,0-1 15,0 0 1,25 0 0,-25 0 15,-25 25 47,0 0-62,1 0-16,-1 0 31,0 0-15,25 25 15,0 0-16,0 0 1,0 0-16,0-1 16,0 1-1,0 0 1,0 0 0,0 0-16,25 0 15,0 0 16,-1-25 16,1 0-31,25 0-16,-25 0 16,0 0-1,25 0-15,0 0 16,-26 0-1,1 0 1</inkml:trace>
@@ -196,13 +198,13 @@
   <inkml:trace contextRef="#ctx0" brushRef="#br0" timeOffset="27312.04">17108 17282 0,'-25'0'47,"-50"0"-31,25 0-16,25 0 15,0 0-15,-49 0 16,49 50-16,-25-25 16,50 0-1,-25 0 1,25 0-16,0 25 16,0-25-16,0-1 15,0 26-15,25-50 31,-25 25-31,25-25 16,0 0 0,0 0-16,25 0 15,-1 0-15,-24 0 16,25-25-16,0 0 16,-25-24-16,49-51 15,-74 75-15,50-50 16,0 1-16,-50 24 15,25 0-15,0-50 16,0 26-16,25-51 16,-50 50-16,0 26 15,0-1-15,0 25 16,0 0 0,0 0-16,0 0 62,0 50-31,-25 50-31,25 0 16,0-1-16,0 1 16,0 25-16,0-51 15,0 26-15,0 25 16,0-26-16,0-24 15,0 0-15,0 0 16,0-25 0,0 0 31,25-25 15,-1-50-46,1 50 46,0 0-46,-25 25-16,25 25 15,-25-26-15,25 26 16,0-25 0,-25 25-1,25-50 1,-25 25 15,25-25-15,0 0-1,0-25 1</inkml:trace>
   <inkml:trace contextRef="#ctx0" brushRef="#br0" timeOffset="30877.29">17954 16959 0,'-25'0'0,"25"25"16,0 24-16,0 26 15,0 50-15,-49-51 16,49-24-16,0 25 16,0-25-1,-25-1-15,25-24 16,0 0-16,0-50 94,0-49-79,0 24-15,0 0 16,0 0-16,0-25 16,0-49-16,0 24 15,0 1-15,25 49 16,-25 0-1,49 0-15,-24 50 0,0 0 16,0 0 0,0 0-1,0 0-15,0 0 16,25 75 0,-50-50-16,25 0 15,-1 25-15,-24-1 16,25 1-16,-25 0 15,0-25-15,0 0 16,0 25-16,0-1 16,-25-24-1,1-25-15,-1 0 16,0 0 0,0 0-16,0 0 15,0 0-15,0 0 16,0 50 78,50 0-79,0-25 1,25 0-16,0 0 15,-1 25-15,26 24 16,0-24-16,-75-25 16,75 0-16,-51-25 15,-24 25-15,25-25 16,0 0 0,0 0 15,0 0-31,-25-25 15,0 0 1,0-50 0,0 50-16,0-24 0,0-1 15,0 25 1,0 0 0,-25 25 77,0 0-77,25 25 0,0 25-16,0-1 15,0 1-15,0-25 16,0 0 15,0 0-31,25-25 16,-25 25-1,25-25-15,25 0 16,-25 0 0,0 0-1,0 0-15,-1 0 16,1-50-16,0-25 15,0 50-15,50-24 16,-50 24-16,0-25 16,-25 25-16,25-25 15,-25 0-15,0 25 16,0 1 0,0-1-1,0 0-15,0 0 16,0 0-16,-25 0 15,-25 25-15,25 0 16,-25 0-16,25 0 31,25 25 32,0 0-48,0 0-15,0 0 16,50-25-16,-25 25 16,50-1-16,-50 1 15,-1-25 1,1 50-16,0-25 16,-25 0-16,25-25 15,-25 25-15,25 25 16,-25 0-1,0-26-15,0 26 16,0-25-16,0 25 0,0-25 16,0 0-1,0 0 32,-25-25-16,25-50-15,0 25-16,0 0 16,0 0-16,0 0 15,0 0-15,0 0 16,25 1-16,0-1 16,0 25-1,25-25-15,-25 25 31,0 0-15,-1 25 15,-24 0-31,0-1 16,0 1 0,25 0-16,-25 0 15,25 0 1,-25 0-1,50-25 64,-50-25-64,0 0 1,0-50-16,0 51 15,0-26-15,0 25 16,0 0-16,25 25 78,-25 25-62,25 0-1,0 0-15,-25 24 16,0-24-16,0 0 16,25 0-16,0 25 15,-25 0 1,0-25-16,24 0 16,1-25 46,0-50-62,-25 0 16,25 25-16,-25-25 15,25-24-15,-25-1 16,0 25-16,0-25 16,50-49-16,-50 49 15,0 25-15,0 0 16,0 1-16,0 74 94,-25 24-79,25-24 1,-25 25-16,25-25 0,0 25 15,0 24-15,0-24 16,0 25-16,0 50 16,0-76-1,25 1-15,0-25 16,0-25-16,-25 50 16,25-25-16,0 0 15,-1-25 1,1 0-1,25 0 1,-25 0 0,0 0-16,-25-25 15,0 0-15,25-25 16,-25 25-16,0 0 16,0-25-16,0 1 15,0-1 1,0 25-1,0 0 1,50 100 78,-25-1-94,-1-24 15,-24 0-15,50-25 16,-25 0-16,-25 50 16,0-51-16,0 1 15,-25-25 48,0-49-48,-24 24-15,-1-25 16,50 25 0,-25-25-16,25 25 15,0 0-15,0 0 32,0 1-17,25-1 16,0 25-15,0 0 0,-1 0-1,1 0 1</inkml:trace>
   <inkml:trace contextRef="#ctx0" brushRef="#br0" timeOffset="33343.83">26695 17208 0,'0'25'47,"0"24"-32,0 26-15,0-25 16,0 50-16,0-26 15,0-24-15,0 25 16,0-25-16,0-1 16,0-24-16,0 0 15,0 0-15,-25-25 125</inkml:trace>
-  <inkml:trace contextRef="#ctx0" brushRef="#br0" timeOffset="34156.12">26695 17233 0,'25'0'16,"0"0"0,0 0-1,0 0 1,-1 0-16,1 0 16,0 0-16,0 0 31,-25 24-31,0 1 15,25 0-15,-25 25 16,0-25-16,0 0 16,0 0-16,0 0 15,0 0-15,0 0 16,-25-25 0,0 24-16,0-24 15,-24 0-15,98 0 110,-24 0-95,0 0-15,0 0 16,25 0-16,-25 0 15,0 0 1,0 25 0,-1 0-16,-24 0 15,25 0 1,-25 0-16,0 25 16,0-25-16,0 24 15,0-24 1,0 0-16,0 0 15,0 0 1,-49-25 15,24 0-15,-25 0 0,25 0-16,0 0 31</inkml:trace>
-  <inkml:trace contextRef="#ctx0" brushRef="#br0" timeOffset="34974.16">27417 17556 0,'-25'0'63,"-25"0"-48,25 0 1,25 25 0,0 0-1,0 0 1,0 25 0,0-25-1,0 0 1,25 0-1,0-25 17,0 0-17,0 0-15,0 0 16,0 0 15,-25-25 16,0-25-31,0 25-1,0 0 1,0 0 0,0 0 15</inkml:trace>
+  <inkml:trace contextRef="#ctx0" brushRef="#br0" timeOffset="34156.11">26695 17233 0,'25'0'16,"0"0"0,0 0-1,0 0 1,-1 0-16,1 0 16,0 0-16,0 0 31,-25 24-31,0 1 15,25 0-15,-25 25 16,0-25-16,0 0 16,0 0-16,0 0 15,0 0-15,0 0 16,-25-25 0,0 24-16,0-24 15,-24 0-15,98 0 110,-24 0-95,0 0-15,0 0 16,25 0-16,-25 0 15,0 0 1,0 25 0,-1 0-16,-24 0 15,25 0 1,-25 0-16,0 25 16,0-25-16,0 24 15,0-24 1,0 0-16,0 0 15,0 0 1,-49-25 15,24 0-15,-25 0 0,25 0-16,0 0 31</inkml:trace>
+  <inkml:trace contextRef="#ctx0" brushRef="#br0" timeOffset="34974.15">27417 17556 0,'-25'0'63,"-25"0"-48,25 0 1,25 25 0,0 0-1,0 0 1,0 25 0,0-25-1,0 0 1,25 0-1,0-25 17,0 0-17,0 0-15,0 0 16,0 0 15,-25-25 16,0-25-31,0 25-1,0 0 1,0 0 0,0 0 15</inkml:trace>
   <inkml:trace contextRef="#ctx0" brushRef="#br0" timeOffset="35766.68">27566 17556 0,'0'-25'16,"0"50"62,0 0-78,0 25 16,0-25-16,0 25 15,0-25-15,0 0 16,0-1-1,0 1 1,25-25 0,0 0-1,0 0 17,0 0-17,0 0 1,-25-25-1,25 1 17,-25-1-32,0 0 15,0 0-15,0 0 16,0 0-16,0 0 31,0 0-15,0 0-1,-25 25 32,0 0-15,0 0-17</inkml:trace>
   <inkml:trace contextRef="#ctx0" brushRef="#br0" timeOffset="36491.43">28189 17482 0,'-25'0'63,"0"25"-47,0-1-16,0 1 15,-24 0-15,24 0 16,-50 50-16,25-50 15,0 49-15,50-49 16,-25 0-16,50-25 109,0 0-93,75 25 0,-75-25-16,0 0 15,49 0-15,-24 0 16,-25 0 0,0 0-16,0 0 109</inkml:trace>
   <inkml:trace contextRef="#ctx0" brushRef="#br0" timeOffset="37005.39">27865 17407 0,'0'50'46,"0"-25"-30,0 49-16,0 26 16,0-25-16,0-1 15,0 26-15,0-50 16,0 0-16,0-26 16,0 26-16,0-25 15,0 0-15,0 0 16</inkml:trace>
   <inkml:trace contextRef="#ctx0" brushRef="#br0" timeOffset="37913.87">28587 17183 0,'0'25'31,"0"49"-15,0 51-16,0-100 15,0 74-15,0 26 16,0-1-16,0 26 16,0-75-16,0-51 15,0-48 79,0-76-94,0 50 16,-24-25-16,24 1 15,0-1-15,0-25 16,0 1-16,0 24 16,0 0-16,0 1 15,24 49-15,1 25 16,-25-25-16,25 25 31,0 0-15,0 0-1,25 25-15,-50 0 0,50 24 16,-25 51-16,-1-50 16,-24 0-16,0 0 15,0-1 1,0 26-16,0 0 15,0-1-15,0-24 16,0 25-16,0-25 16,-24 0-16,-26-26 15,25 26-15,-50 0 16,25-50-16,-24 25 16,24 0-16,25-25 15</inkml:trace>
-  <inkml:trace contextRef="#ctx0" brushRef="#br0" timeOffset="38323.26">29135 17805 0,'25'0'63,"0"-25"-48,0 1 1,0-1-16,-25-25 15,25 25-15,-25 0 16,0 0-16,0 0 16</inkml:trace>
+  <inkml:trace contextRef="#ctx0" brushRef="#br0" timeOffset="38323.25">29135 17805 0,'25'0'63,"0"-25"-48,0 1 1,0-1-16,-25-25 15,25 25-15,-25 0 16,0 0-16,0 0 16</inkml:trace>
   <inkml:trace contextRef="#ctx0" brushRef="#br0" timeOffset="38751.17">29235 17606 0,'0'25'0,"-25"0"0,25 0 15,0 0 1,0 0 15,0 0-15,0-1 15,0 1-15,25-25-1,25 25 1,-25 0 0,24-25-1,-24 0-15,0 0 16,25 0-16,-25 0 15,25 0-15,-25 0 16,0 0-16,-1 0 16,1 0-16,-25-25 15,0-25 17</inkml:trace>
   <inkml:trace contextRef="#ctx0" brushRef="#br0" timeOffset="40686.07">29658 17382 0,'0'75'31,"0"-25"-15,25 49-16,0 26 15,-25-26 1,0-24-16,0 0 15,0-50 1,-25-50 62,0 0-62,0 0-1,25 0 1,0 0-16,0 0 16,0 0-1,0 0 17,25 25-32,0 0 15,50 0-15,0 0 0,-26 0 16,51 0-16,24 0 15,-49 0 1,-25 0-16,0-25 16,0 25-16,-50-24 78,-25 24-63,0 0-15,-25 0 16,25 0-16,-25 0 16,0 0-1,26 0-15,-26 0 0,0 0 16,25 24 15,25 26 16,0-25-31,25-25-16,25 25 15,-25 0-15,49-25 16,-49 0-16,25 0 16,-25 0-16,0 0 15,-25-25 16,0 0 1,0 0-17,0 0 1,25 25 62,-25 25-78,25 25 16,0-25-16,-1 25 15,-24-25-15,25 0 16,-25-1 0,25-24 30,0 0-14,0-49-17,-25 24 1,0 0 0,25-25-16,-25 25 15,0-25-15,0 25 31,25 25 32,0 25-47,0-25-16,0 100 15,0-50 1,-1-25-16,1 0 15,0-1 1,-25 1 0,25-25-1,0 0 32,-25-74-31,0 49-1,75-50-15,-75-49 16,0 99-16,0-50 16,0 25-16,0 0 15,0 25-15,0-24 16,0 24 0,-25 50 46,25 0-46,0 49-16,0-24 15,0 25 1,0 24-16,0-74 16,0 25-16,25-25 15,0 0-15,0-25 16,-25 25-16,24-25 15,1 0 1,0 0 15,0 0-15,-25-25 0,0 0-1,0 0 1,0 0 15,0 0-31</inkml:trace>
   <inkml:trace contextRef="#ctx0" brushRef="#br0" timeOffset="40945.31">30455 17531 0</inkml:trace>
@@ -211,7 +213,7 @@
   <inkml:trace contextRef="#ctx0" brushRef="#br0" timeOffset="56617.14">7620 7521 0,'0'-25'109,"0"0"-109,-25 25 16,0-25 0,0 25 15,0 0 16,0 0-32,1 0 17,-1 0-17,25 25 1,-25-25-16,0 25 15,0-25 1,25 25 0,-25-25-16,25 25 15,-25-25 1,25 25 0,0 0-1,-25-1 32,25 1 0,0 0-31,0 0-1,0 0 16,25 0-15,0-25 15,0 0-15,0 0 0,-25 25-16,25-25 15,0 0 1,0 0-1,-1 0 17,1 0-1,0 0 0,0 0 16,0 0-31,0 0 15,0-25 63,-25 0-47,0 0-1,0 0-30,0 0 47,0 0-32,0 1 16,0-1-32,0 0 1,0 0 31,-50 25 15</inkml:trace>
   <inkml:trace contextRef="#ctx0" brushRef="#br0" timeOffset="58295.51">7520 7670 0,'25'25'31,"0"50"-15,25-50-1,0 0 1,-25 0-16,0-1 16,-25 1-1,25 0-15,-1-25 16</inkml:trace>
   <inkml:trace contextRef="#ctx0" brushRef="#br0" timeOffset="67419.64">10285 7396 0,'0'-25'109,"-25"25"-93,0 0-1,0 0 1,0 0 15,0-24-15,0 24 15,0 0 16,0 0-31,0 0 15,0 0-16,1 0 1,-1 0 15,0 0 1,0 0-17,25 24 16,-25-24 16,25 25-47,-25-25 16,25 25 0,-25 25 15,25-25 0,0 0 0,0 0 1,0 0-17,0 0 16,0-1-15,0 1 15,0 0-15,0 0 15,0 0 16,25-25-16,0 0-15,-25 25 171,0 0-171,0 0 0,0 0-1,0 24 1,0-24 0,-25-25 171,0 0-187,0 0 16,0 0-1,0 0 1,1 0 15,-1 0-15,0 25 15,25 0 32,0 0-32,0 0 0,0 0-15,0 0 31,0 0 140,25-25-171,24 0-1,-24 0 1,0 0 0,0 0-1,0 0 1,0 0-16,25 0 15,0 0 1,-26 0 0,1-25-16,0 25 47,0 0-32,0 0 16,0 0-31,0 0 16,0 0-16,0 0 31,0 0-15,0-25 31,-1 25-16,1 0 172,0 0-203,0 0 16,0 0-16,0 0 15,0 0 1,0 0 15,0 0-31,-25-25 219,-25 0-203,0 25 15,25-25-31,0 0 47,0 0 0,-25 25-32,0-49 157,0 49-141,0 24-15,0-24 0,25 25-1,-25-25-15,1 0 16,-1 25 0,0-25 15,0 0-16,0 0 48,25-25-16,0 0-32,0 1 1,0-1 15,0 0-15,25 25 140,0 0-125,0 0 1,-25-25-32,25 25 15,-25-25-15,24 25 16,1-25-16,0 0 62,-25 0 1,0 0-47,0 0-1,0 1 1,0-1-1,0 0 1,0 0 0,0 0-1,0 0 17,-25 0-1,0 25 0,25-25 0,-24 25-15,-1-25 0,0 25 30,0 0-30,0 0 0,0 0 31,0 0-47</inkml:trace>
-  <inkml:trace contextRef="#ctx0" brushRef="#br0" timeOffset="83095.24">3436 8492 0,'-49'50'63,"24"-25"-32,0 0-31,0 24 16,0 1-16,0-25 15,0 50 1,0-50-1,0 0-15,25 0 32,0-1 30,25-24 1,25-24-63,-25-1 15,50-75-15,-50 100 16,0-25 0,-25 0-16,49 0 15,-24 0 48,0 25-63,0-24 31,-50 48 141,25 1-157,-25 0-15,25 0 16,-25 25-16,0-25 16,25 0 46,25-25 1,25-50-48,25-25-15,-50 50 16,0 25 0,0-49-16,-1 24 15,26 0-15,-25 0 16,-25 50 62,0 25-62,0-1-16,0 26 0,-25-25 15,25-25-15,0 0 16,-25 0-16,25-1 15,25-48 95,-25-1-95,50 0-15,-50-25 16,50 25-16,-25 0 16,0-25-16,0 1 15,0 24 1,-25 50 78,0-1-94,0 26 15,0-25 1,0 0-16,-25 0 16,25 0-1,0 0 1,25-25 93,-1-25-109,1-25 16,25 25-16,0-25 15,-25 25 1,0-24-16,-25 98 78,0-24-78,0 50 16,-25-50-16,0 0 15,0 25-15,25-25 16,-25-1-16,25 1 16,75-50 93,-50-24-109,0 24 16,0 0-1,-1-25-15,1 50 16,0-25 0,-25 75 77,-25 25-77,0-75-16,25 25 0,50-25 94,0-50-79,-50 25-15,25-25 16,0 25 0,-25 0-16,25-25 15,0 26-15,-25 48 94,0 1-78,0 0-16,0 0 15,-25 0-15,25 0 78,50-50-62,-50 0 0,24 0-16,51-25 15,-25 1 1,-25 49-16,-25-25 15,0 50 48,0 0-47,0 24-16,-25-49 15,25 25 1,-25 0-16,50-50 78,0 0-78,0-24 16,-25 24-1,25 0-15,0-25 16,-25 75 46,0 25-46,0-25-16,-25-1 16,25 26-16,0-25 0,0 0 15,49-25 63,1-25-78,25 0 16,-25-25 0,-25 50-16,-25-24 15,25 24-15,-25 24 78,0 1-78,0 0 16,0 0 0,24-50 46,1 25-46,0-25-16,0-24 15,0 24 1,0 0-16,-25 50 94,0 0-79,0-1-15,50-24 78,-25-24-62,25-1-16,-26 0 16,1 0-16,0 0 15,-25 50 32,0 25-31,0-25-16,0-1 15,-25 1 1,75-25 47,-25-49-48,0 49-15,0-25 16,0 0-16,25-25 15,-50 75 64,0 0-64,0 0 63,24-25-46,-24 25 46,0-1-63,-24 26-15,-1-25 16,25 0 46,25-25-46,-1 0 0,26-75-16,-50 50 15,25 1 1,0-26-16,-25 100 94,0 24-94,-25-49 15,25 25-15,0-25 16,-25 0-16,50-50 109,0 0-109,-25 0 0,25 0 16,-25-25-16,-25 100 78,0-25-62,0 0-16,0 0 15,0 0 1,25-100 46,25 25-46,-25 25-16,25-49 16,-25 49-1,0 50 32,0 0-31,-25 24-1,0-24-15,1 0 16,-1 0 0,25 0-1,0-50 63,0 0 1,-25 25-64,0 0 16,25-25 16,0 0-31,0 0-16,25-24 16,-25 24-16,-25 25 93,25 25-77,-25 0-16,-25 49 16,25-74-16,0 0 15,0 0 1,25-25 62,-24 25 0,-1 25-62,-25 25-16,25-25 15,-25 0 1,0 0-16,25 0 16,0-25 46,25-25-46,50-25-16,-50 25 15,0 0 1,-25 50 62,-24 0-78,24 0 16,0-25-1,25-50 48,25 25-48,0-25-15,-1 25 16,-24 1-16,-49 24 94,24 0-94,-25 49 15,0-49-15,25 0 16,50 0 62,-25-25-78,25 1 31</inkml:trace>
+  <inkml:trace contextRef="#ctx0" brushRef="#br0" timeOffset="83095.23">3436 8492 0,'-49'50'63,"24"-25"-32,0 0-31,0 24 16,0 1-16,0-25 15,0 50 1,0-50-1,0 0-15,25 0 32,0-1 30,25-24 1,25-24-63,-25-1 15,50-75-15,-50 100 16,0-25 0,-25 0-16,49 0 15,-24 0 48,0 25-63,0-24 31,-50 48 141,25 1-157,-25 0-15,25 0 16,-25 25-16,0-25 16,25 0 46,25-25 1,25-50-48,25-25-15,-50 50 16,0 25 0,0-49-16,-1 24 15,26 0-15,-25 0 16,-25 50 62,0 25-62,0-1-16,0 26 0,-25-25 15,25-25-15,0 0 16,-25 0-16,25-1 15,25-48 95,-25-1-95,50 0-15,-50-25 16,50 25-16,-25 0 16,0-25-16,0 1 15,0 24 1,-25 50 78,0-1-94,0 26 15,0-25 1,0 0-16,-25 0 16,25 0-1,0 0 1,25-25 93,-1-25-109,1-25 16,25 25-16,0-25 15,-25 25 1,0-24-16,-25 98 78,0-24-78,0 50 16,-25-50-16,0 0 15,0 25-15,25-25 16,-25-1-16,25 1 16,75-50 93,-50-24-109,0 24 16,0 0-1,-1-25-15,1 50 16,0-25 0,-25 75 77,-25 25-77,0-75-16,25 25 0,50-25 94,0-50-79,-50 25-15,25-25 16,0 25 0,-25 0-16,25-25 15,0 26-15,-25 48 94,0 1-78,0 0-16,0 0 15,-25 0-15,25 0 78,50-50-62,-50 0 0,24 0-16,51-25 15,-25 1 1,-25 49-16,-25-25 15,0 50 48,0 0-47,0 24-16,-25-49 15,25 25 1,-25 0-16,50-50 78,0 0-78,0-24 16,-25 24-1,25 0-15,0-25 16,-25 75 46,0 25-46,0-25-16,-25-1 16,25 26-16,0-25 0,0 0 15,49-25 63,1-25-78,25 0 16,-25-25 0,-25 50-16,-25-24 15,25 24-15,-25 24 78,0 1-78,0 0 16,0 0 0,24-50 46,1 25-46,0-25-16,0-24 15,0 24 1,0 0-16,-25 50 94,0 0-79,0-1-15,50-24 78,-25-24-62,25-1-16,-26 0 16,1 0-16,0 0 15,-25 50 32,0 25-31,0-25-16,0-1 15,-25 1 1,75-25 47,-25-49-48,0 49-15,0-25 16,0 0-16,25-25 15,-50 75 64,0 0-64,0 0 63,24-25-46,-24 25 46,0-1-63,-24 26-15,-1-25 16,25 0 46,25-25-46,-1 0 0,26-75-16,-50 50 15,25 1 1,0-26-16,-25 100 94,0 24-94,-25-49 15,25 25-15,0-25 16,-25 0-16,50-50 109,0 0-109,-25 0 0,25 0 16,-25-25-16,-25 100 78,0-25-62,0 0-16,0 0 15,0 0 1,25-100 46,25 25-46,-25 25-16,25-49 16,-25 49-1,0 50 32,0 0-31,-25 24-1,0-24-15,1 0 16,-1 0 0,25 0-1,0-50 63,0 0 1,-25 25-64,0 0 16,25-25 16,0 0-31,0 0-16,25-24 16,-25 24-16,-25 25 93,25 25-77,-25 0-16,-25 49 16,25-74-16,0 0 15,0 0 1,25-25 62,-24 25 0,-1 25-62,-25 25-16,25-25 15,-25 0 1,0 0-16,25 0 16,0-25 46,25-25-46,50-25-16,-50 25 15,0 0 1,-25 50 62,-24 0-78,24 0 16,0-25-1,25-50 48,25 25-48,0-25-15,-1 25 16,-24 1-16,-49 24 94,24 0-94,-25 49 15,0-49-15,25 0 16,50 0 62,-25-25-78,25 1 31</inkml:trace>
   <inkml:trace contextRef="#ctx0" brushRef="#br0" timeOffset="85169.22">3212 9364 0,'25'0'157,"0"0"-157,25 0 15,-25 0-15,0 0 16,25 0-16,24 0 16,1 0-16,-50 0 15,50 0 1,24-25-16,-24 0 15,-25 0-15,24 0 16,26 0-16,-50 25 0,0 0 16,-1 0-1,26-25-15,0 25 16,-25 0-16,24 0 16,1 0-16,-25 0 15,-25 0-15,49 0 16,-49 0-16,0 0 15,0 0-15</inkml:trace>
   <inkml:trace contextRef="#ctx0" brushRef="#br0" timeOffset="86545.83">3362 9413 0,'0'25'16,"0"0"0,0 0-1,0 0-15,0 0 16,0 50-16,0-51 15,0 26-15,0 0 16,0 0-16,0 25 16,0-26-16,0 1 15,0 0-15,0 0 16,0 25 0,0-1-16,25-49 15,-25 50-15,0 0 16,0-26-16,0 1 0,0 0 15,0-25-15,0 74 16,0-74 0,0 50-16,0-25 15,0 25 1,0-51-16,0 1 16,0 0-1,0 0 1,0 0-1,25-25 157,-1 0-172,26 0 16,25 0-16,-25 0 16,24 0-16,26 0 15,-50 0-15,25 0 16,49-25-16,-74 25 15,25 0-15,-50 0 16,24 0-16,-24 0 16,0 0-16,0 0 15,0 0 1,0 0-16,0 0 16,0 0-16,0 0 15,24 0-15,-24 0 0,0-25 16,0 25 109,0-25-110</inkml:trace>
   <inkml:trace contextRef="#ctx0" brushRef="#br0" timeOffset="87752.83">4856 9239 0,'0'25'47,"0"0"-32,0 50-15,0-26 16,0 51-16,0 0 15,0-51-15,0 1 16,0 0-16,0 25 16,0 24-16,0-24 15,0 0-15,0 24 16,0 1-16,0-25 16,0-1-16,0 26 15,0-50-15,0 0 16,0-26-16,0 26 15,0 0-15,0 0 16,0 0 0,0-25-16,0-1 15,0 1-15,0 0 0,0 0 16,0 0 15,0 0 0,0 0 32,-25-25-1,-25 0-46,0 0-16,-24 0 16,-1-25-1,50 25 1,0-25-16,-25 25 16,25-50-16,1 50 0</inkml:trace>
@@ -224,7 +226,7 @@
   <inkml:trace contextRef="#ctx0" brushRef="#br0" timeOffset="99786">3362 11406 0,'-25'24'32,"0"1"-32,25 0 0,0 25 15,0-25-15,-25 25 16,25 0-16,-25-1 15,0-24-15,25 0 16,25-50 62,0 0-78,0 25 16,0-49-16,25 24 0,24-50 15,-24 50-15,-25-25 16,25 25 0,-25 25 31,0 0-32,-25 25 1,25 0-1,-1-25 32,1 0-31,0 0 0,0 0-16,0 0 15,-25 25 63,0 0-46,25-25-1,0 0-16,25 0 1,-25 0 0,0 0 15,-25 25-15,24 0-1,-24 25-15,25-50 16,-25 24-16,0 1 31,25-25 16,0 0-47,25-25 16,-25 1-16,-25-1 31</inkml:trace>
   <inkml:trace contextRef="#ctx0" brushRef="#br0" timeOffset="100870.48">5354 11381 0,'0'25'63,"0"-1"-48,0 1 1,0 25-16,0-25 16,0 0-1,25-25 63,0-25-78,25-25 0,-26 25 16,1 0-16,25 1 16,-25 24-16,-25-25 15,0 74 48,0-24-48,0 0-15,0 0 16,25-25 31,0 0-31,0 0-16,0-25 31,0 25 31,-1 25-46,-24 0-16,25 0 47,25-25-32,0 0-15,0 0 16,0 0-16,-1-25 16,1 0-16,-25 25 15,0-25 1,0 0 46,0 0-46,0 1 47</inkml:trace>
   <inkml:trace contextRef="#ctx0" brushRef="#br0" timeOffset="101892.03">7072 11356 0,'0'25'31,"0"0"0,0-1 1,25-24-17,50 0 1,-1 0-16,-24 0 16,50 0-16,-1-49 15,-24-1-15,-25 25 0,-25 25 31,-25 25 32,0 0-63,-25-25 16,25 25-16,25-25 78,0-25-63,0 25 1,0 0 0,0 0 77,-1 0-61,1 0-17,0 0-15,0 0 16,0 0-16,25 25 15,-25-25-15,0 25 32,0-25-1,-1 0-15,1 0-1</inkml:trace>
-  <inkml:trace contextRef="#ctx0" brushRef="#br0" timeOffset="102980.94">9214 11231 0,'0'0'0,"-25"25"16,0 0 15,25 0-15,0 0 31,25-25-32,0 0-15,0 0 16,24 0-16,1-25 16,0 0-16,0 0 15,-25 0-15,-25 50 78,0 0-62,0 0-16,25-25 78,49 0-62,-49 0-16,25 0 15,-25 0 1,0 0 31,-25 25-31,25 0-1,-25 0-15,25 0 16,0-25 15,24 24-31,-24-24 16,25 0-16,-25 0 15,25 0-15,-25 0 0,0 0 16,-1 0-16,1 0 16,0 0-1,0 0 48,0 0-63,25 25 15,25 0 1</inkml:trace>
+  <inkml:trace contextRef="#ctx0" brushRef="#br0" timeOffset="102980.93">9214 11231 0,'0'0'0,"-25"25"16,0 0 15,25 0-15,0 0 31,25-25-32,0 0-15,0 0 16,24 0-16,1-25 16,0 0-16,0 0 15,-25 0-15,-25 50 78,0 0-62,0 0-16,25-25 78,49 0-62,-49 0-16,25 0 15,-25 0 1,0 0 31,-25 25-31,25 0-1,-25 0-15,25 0 16,0-25 15,24 24-31,-24-24 16,25 0-16,-25 0 15,25 0-15,-25 0 0,0 0 16,-1 0-16,1 0 16,0 0-1,0 0 48,0 0-63,25 25 15,25 0 1</inkml:trace>
   <inkml:trace contextRef="#ctx0" brushRef="#br0" timeOffset="109813.81">3511 12327 0,'-25'0'63,"0"50"-63,0-50 15,1 25 1,24 0-16,-25-1 15,25 1-15,-25 0 16,0 0-16,25 0 16,-25 0-1,25 0-15,-25 25 16,0-25 156,25 24-172,-25-24 0,25 25 31,-25-25-31,25-50 94,0 0-79,25 0-15,0 0 16,-25 0-16,25-24 16,0-1-16,0 25 15,0-25-15,0 25 16,0 0-16,-1 25 31,1 0 32,-25 75-32,0-25-31,0 0 16,0-1-16,0 1 15,0 25-15,-25-50 16,1 25-16,24-100 109,0 25-109,49-25 16,-24 0-1,50-24-15,-25 24 16,24-25-16,1 25 16,0 1-16,0 24 15,-1-25-15,-24 50 16,-25-25-16,0 25 47,-25 25-47,-25 74 15,0-49-15,-25 50 16,1-1-16,49-74 16,-25 0-16,25 0 15,0 0-15,49-75 94,1 25-94,0-24 16,0 24-16,0-25 15,-25 50-15,-1 0 16,-24 50 46,-49-1-62,24-24 16,0 25 0,0-25-16,0 0 15,75-50 63,0 0-78,-25 0 16,49 0-16,-24 25 16,0 0-16,0 0 15,-1 0-15,-24 0 16,0 0-16,0 0 62,-50 50-46,50-50 93,25 0-93,0 0-16,0-25 16,-1 25-16,26-25 15,25 25-15,49 0 16,-49 0-16,24 0 16,26-25-16,-51 25 15,26 0-15,-150 0 63,-25 0-48,-50 25-15,1-25 0,-26 25 16,51-25-16,-26 0 16,50 0-1,25 0 1,25-25 15,0 0-31,0-24 16,0 24-16,0-25 15,0 25-15,0-25 16,0 25 0,-50 25 46,-49 50-46,-1 0-1,26-25-15,-1 0 16,50-25-16,-25 0 16,25 0-1,0 0-15,0 0 47,1 0-31,24-25 15,-25 0-31,0 25 31,-50 0-31,0 0 16,26 0-1,-1 0-15,0 0 0,0 0 16,0 25-16,100-50 94,-25 0-79,-25 50 64,0 0-79,0 0 15,0 0 1,25-25 15,25 0-15,24-25-16,-49 0 15,50-25-15,0 0 16,-1 0-16,-49 50 0,0-24 16,-25 73 46,0-24-46,0 0-16,0 0 15,0 0-15,0 0 32,25-25-1,25 0-31,0-25 0,-25 0 15,0 0-15,-1-25 16,1 25-16,0 25 16,0-24-16,0 48 47,-25 26-32,0 25-15,0 0 16,-25-26-16,25 1 15,0-25-15,25-25 63,25-50-47,-25 25-16,25 1 15,-1 24-15,-24-25 16,0 25 15,0 0-15,-25 49-1,0-24 1,0 0-16,0 0 0,0 0 62,25-25-46,25 0-16,-25-25 16,0 0-16,0 25 15,-1 0 1,-24 25 31,0 0-32,0 0 1,25-25 15,25 0-15,-25 0-16,0 0 16,0 0-16,25-50 15,-25 25-15,-1 25 16,26-25-1,-25 25 17,0-25 46,25-24-63,0-1-15,-25 25 16,24-50-16,1 25 0,-50 1 16,0 74 62,-75 24-78,26 1 15,24-25-15,0-25 16,0 25-16,0-25 31,25-50 16,-25 50 16,-25 0-48,25 50 1,1-50 46,24-25 17,-75 0-64,50 25 1,0 0-16,0 0 62,25-25-30,-25 25-1,0 0-16,0 0-15,-24 0 16,-1 0 0,0 25-1,25-25 142</inkml:trace>
   <inkml:trace contextRef="#ctx0" brushRef="#br0" timeOffset="110964.8">3337 13373 0,'25'0'47,"25"0"-47,-26 0 15,26 0 1,0 0-16,25 0 15,24 0-15,-49 0 16,25 0-16,49-25 16,-24 25-16,25 0 0,-101 0 15,51 0 1,50 0-16,-26 0 16,1 0-16,24 0 15,-24 0-15,0 0 16,-26 0-16,-24 0 15,25 0-15,-50 0 16</inkml:trace>
   <inkml:trace contextRef="#ctx0" brushRef="#br0" timeOffset="112241.8">3038 13547 0,'0'-25'46,"0"50"-30,25 0 0,0 25-16,-25 25 15,25-1-15,0 1 16,0 0-16,-1 49 16,-24-49-16,0 0 15,0 24-15,0-49 16,0 50-16,0 24 15,0-74 1,0 0-16,0 74 0,0-99 16,25 0-16,-25 0 15,0 0-15,0 0 16,0 0 0,0 0-1,25-1-15,-25 1 16,25 25-1,-25-25 1,0 0-16,0 0 31,25 0-15,-25 0 125,25-25-141,25 0 15,0 0-15,49-50 16,-49 50-1,0 0-15,24 0 16,-24 0-16,25 0 16,25 0-16,-75 0 15,74 0-15,-24 0 16,0 0-16,-1 0 16,26-25-16,-50 0 15,24 25-15,-24 0 16,0 0-16,-25 0 15,0 0-15,0 0 16,0 0-16,-1 0 16,1 0-1,0 0-15,0 0 32,0-25 77</inkml:trace>
@@ -253,15 +255,15 @@
   <inkml:trace contextRef="#ctx0" brushRef="#br0" timeOffset="156409.28">15763 11655 0,'0'24'16,"-25"1"-1,0 50 1,0 25-16,-25-26 16,-24 1-16,74-50 15,-25 25-15,75-50 78,24-75-78,1 25 16,0 0-16,24 1 16,-49-26-16,-25 75 15,0 0 32,-25 25-31,0 0-16,0 0 15,0 0-15,0-1 16,25 1 15,0-25-31,0 0 16,49 0-16,-24 0 15,0 0-15,0 0 16,0-25-16,24 1 16,-49-1-16,0 25 78,0 0-63,25 0 1,0 0-16,24 0 0,1 0 16,0 0-16,-25 0 15,24-25 1,26 0-16,24-25 16,-24 50-16,-50-25 15,-25 25 32,-25 25-47,0 25 16,49-25-16,-24 0 15,0-25 1,25 0-16,0 0 16,49 0-16,-24 0 15,-50 0-15,75 0 16,-1-25-16,101-25 15,-1 0 1,-25 0-16,25 25 16,-24 1-16,-51-1 15,1 0-15,-51 25 16</inkml:trace>
   <inkml:trace contextRef="#ctx0" brushRef="#br0" timeOffset="157499.44">15614 12551 0,'0'25'47,"0"25"-32,-25 49-15,25-74 16,-25 25 0,25-25-16,0 0 15,99-50 48,-24-25-63,50 25 15,-76 0-15,76 0 16,-50 25 0,-51 0-16,1 0 0,0 0 31,0 0 16,25 0-32,50 0 1,-26 0-16,1 0 16,50 0-16,-76 0 15,26 0-15,-50 0 16,25 0-16,-25 0 15,0 0 17,24 0-17,-24 0 1,75 0-16,-75 0 16,74 0-16,1-24 15,49-1 1,26 0-16,-1-25 15,25 25-15,-49 25 16,-1 0-16,-24 0 16,-51 0-16,-49 0 0,25 0 15,-50 25 1,25-25-16,0 50 16,0-50-1,24 0 1,1 25-16,-25-25 15,75 0-15,-26 0 16,1 0-16,50 0 16,-75 0-16,-1-50 15,1 50 1,-25-25 0</inkml:trace>
   <inkml:trace contextRef="#ctx0" brushRef="#br0" timeOffset="158452.51">16012 10434 0,'-25'25'31,"0"0"-31,0 50 15,0-75 1,0 25-16,75-25 78,50-50-78,-75 25 16,74 25-1,1 0-15,-50 0 16,-25 0-16,0 0 16,-1 0-16,1 0 15,0 0-15,0 25 16,-25 0 0,25-25-1,-25 25-15,50-25 16,-25 0-16,0 0 15,74 0-15,-74 0 16,50 0-16,0 0 16,-1 0-16,26 0 15,-75 0-15,74 0 16,-24 0 0,-25 0-16,0 0 15,-25 0-15,99 0 16,-74 0-16,25 0 0,-26 0 15,26 0 1,0 0-16,74 0 16,-49-25-16,49 0 15,-24 0-15,-1 0 16,26 0-16,-1 0 16,-24 25-16,24 0 15,-24 0-15,-1 0 16,26 0-16,-26 0 15,1 0-15,-76 0 16,1 0-16,25 0 16</inkml:trace>
-  <inkml:trace contextRef="#ctx0" brushRef="#br0" timeOffset="159714.88">13447 13622 0,'25'0'78,"50"0"-62,-26 0-16,26 0 16,-25 0-16,25 0 15,49 0-15,1 0 16,-1 0 0,26 0-16,-51 0 15,-24 0-15,49 0 16,-49 0-16,-50 0 15,0 0 1</inkml:trace>
+  <inkml:trace contextRef="#ctx0" brushRef="#br0" timeOffset="159714.87">13447 13622 0,'25'0'78,"50"0"-62,-26 0-16,26 0 16,-25 0-16,25 0 15,49 0-15,1 0 16,-1 0 0,26 0-16,-51 0 15,-24 0-15,49 0 16,-49 0-16,-50 0 15,0 0 1</inkml:trace>
   <inkml:trace contextRef="#ctx0" brushRef="#br0" timeOffset="161246.57">13497 13672 0,'-25'0'16,"25"25"15,0 24-31,0-24 16,0 50-16,0-50 16,0 25-1,0-1-15,0 1 16,0 25-16,0-25 15,25-25-15,-25 49 16,25-24-16,-25 0 16,0-25-16,25 25 15,-25-25-15,0 24 16,0-24-16,0 50 16,0-25-1,0 0-15,0-26 0,0 26 16,0 25-16,0-50 15,0 25-15,0-25 16,0 24-16,0-24 16,0 25-1,0-25-15,0 0 16,0 25-16,0-25 16,0 24-1,0-24-15,0 0 0,0 25 16,0-25-1,0 25 1,0-25-16,0 0 16,0-1-1,25 1 17,-25 0-17,0 0 16,24-25 79,26 0-95,-25 0-15,25 0 16,50-25-16,-1 25 16,1-50-16,24 50 15,-49 0-15,0 0 16,-1 0-16,-24-24 16,0 24-16,-25 0 15,0 0-15,25 0 16,-1 0-16,26 0 15,-25 0-15,50 0 16,-76 0 0,51 0-16,-25 0 15,25 0-15,-26 0 16,-24 0 0,0 0-16,0 0 62,0 0-15,0 0-31,0 0-1,-25-25 1,25 25-16,0 0 15,-25-25 17,0 0-1,0 0-15,0-25-16</inkml:trace>
   <inkml:trace contextRef="#ctx0" brushRef="#br0" timeOffset="162622.96">15315 13771 0,'0'25'47,"0"0"-31,0 0-16,0 25 0,0 24 15,25 1-15,-25 0 16,0 24-16,0-24 16,0 25-1,25 24-15,-25-49 16,0 25-16,0-26 16,0-24-16,0 50 15,24-50-15,-24-26 16,0 26-16,25 0 15,-25-25-15,0 25 16,0-25 0,0 0-1,0-1 1,0 1-16,0 0 16,0 0-1,0 0-15,0 0 31,0-50 63,0 0-94,0 0 16,0-25-16,0-24 15,0-26-15,0 1 16,0 24-16,0-25 16,0 25-16,0 26 15,0-26-15,0 25 16,0-25-16,-25 26 16,25 24-16,-24 0 15,24 0 1,0 0-16,0 0 15,0 0 1,0 0 0,-25 0-16,25 1 15,0-1-15,0 0 16,0-25-16,0-25 16,0 50-16,0 0 15,0 1-15,0-26 16,0 0-16,-25 0 15,25 25-15,0 0 16,0 0-16,0 1 16,-25 24-16,25-25 15,0 0 79,-25 0-63,25 0-15,-25 25-16,25-25 16,-25 25-16,0 0 15,0-25-15,-49 0 16,49 25-16,0 0 15,-25 0-15,0 0 16,-49 0 0,74 25-16,0 0 15,-25 25-15,50-25 16,0 0 0</inkml:trace>
   <inkml:trace contextRef="#ctx0" brushRef="#br0" timeOffset="163516.94">16610 13746 0,'0'25'31,"0"25"-31,0 0 16,0 25-16,-25-51 16,0 26-1,-25 25-15,25 0 16,0-50-16,-25-1 15,125-24 48,0-99-47,49 24-16,1-24 15,-26 49-15,-49 50 16,25-50-16,25 25 15,-51 25-15,-24 0 16,0 25 109,25-25-125,0 0 16,24 0-16,-24 0 15,25 0-15,0 0 16,-50 25-16,-1-25 16,1 0-16,-25 25 15,25 0-15,0 0 16,0-1-16,0 1 15,0 25-15,0-25 16,50 0-16,-26-25 16,51 25-16,-25-25 15,24 0-15,-74 0 16,50 0 0,49 0-16,-49 0 15,0 0-15,49 0 0,-49 0 16,25 0-16,49 0 15,-49-25-15,49-25 16,0-25 0,1 26-16,-26-26 15,-24 25-15,-100 25 32,-25 25-17</inkml:trace>
   <inkml:trace contextRef="#ctx0" brushRef="#br0" timeOffset="164888.7">16286 14717 0,'0'0'0,"-299"75"31,199-50-15,26 25-16,49-50 15,0 25-15,50-25 63,74 0-48,-49 0 1,50 0-16,-25 0 0,24 0 16,-74 0-16,0 0 15,0 0 1,-25 25-16,0 0 31,0 0-31,0-1 16,25-24 31,0 0-32,49 0-15,1-24 16,75-1-16,-26-25 16,25 25-16,-49 25 15,0 0-15,-75 0 16,-1 0 78,51 0-79,-50 0-15,25 0 16,0 0-1,-1 0-15,1 0 16,0 0-16,-25 0 63,0 0-63,0 0 15,0 0 1,49 0-16,26 0 15,-25 0-15,-25 0 16,24 0-16,1 0 16,49 0-16,1 0 15,-50-25-15,49 0 16,-99 25 0,0 0 46,0 0-46,25 0-1,-25 0-15,74 0 16,1 25-16,-1-25 16,-49 0-16,25 0 15,25 0-15,49 0 16,0 0-16,1 0 15,-51 0-15,1 0 16,-25 0 0,-50 0-16</inkml:trace>
   <inkml:trace contextRef="#ctx0" brushRef="#br0" timeOffset="174158.27">24553 6774 0,'-25'-25'125,"1"0"-109,-1 25 0,0-25-16,0 25 15,0-25 1,0 25-16,0-25 0,0 25 15,0 0 1,0 0 0,1 0-16,-1 0 15,0 0 1,0 0-16,0 0 16,0 0-16,0 0 15,-25 0 1,25 0-1,-24 0 1,24 0-16,0 0 0,0 0 16,0 0-1,0 25 1,0-25 0,0 25-1,0-25 1,25 25-1,-25 0 1,1-25-16,-1 25 16,25 0-1,-25-25 1,25 25 0,-25-1-1,25 1 79,0 0-63,0 0-15,0 0 15,0 0-15,0 0-1,0 0 1,0 0 0,0 0-1,0-1-15,0 1 31,0 0-31,0 0 0,0 0 16,0 25 15,0-25 1,0 0-17,0 0 1,0 0-1,0-1 1,25-24 15,-25 25-15,25 25-16,24-25 16,-24 0-1,0 0 1,0-25-1,-25 25-15,25-25 32,0 25-32,0-25 15,25 0 1,-25 25 0,-1-25-16,1 24 15,0-24 1,0 0-16,0 0 15,25 0 1,-25 0 0,0 0-16,0 0 15,0 0 1,-1 0-16,1 0 16,0 0-1,0-24-15,0 24 16,25-25-16,-25 25 15,-25-25-15,25 0 16,0 25 0,-1-25 31,1-50-16,0 25 0,-25 26-15,25-1-16,-25 0 15,25-25 1,-25 25-16,0 0 16,0 0-1,0 0-15,0 0 16,0 0-1,0-24 1,0-1 0,0 25-16,0 0 15,0 0-15,0 0 16,0 0 0,0 0-1</inkml:trace>
   <inkml:trace contextRef="#ctx0" brushRef="#br0" timeOffset="177316.18">29359 6649 0,'-49'0'63,"24"0"-48,0 0 1,0 0 31,0 0-32,0 0-15,0 0 16,-25 0 0,1-25-1,-1 25 1,25-25-16,-25 25 16,0-24-16,0 24 15,1 0-15,-51 0 16,50 0-16,-49 0 15,24 0-15,0 0 16,50 0-16,-49 0 16,24 0-16,-25 0 15,0 0 1,26 0-16,-26 0 16,25 0-16,0 0 15,-24 0-15,49 0 16,-25 0-16,-25 0 15,0 0-15,26 0 16,-1 0-16,0 0 16,-25 0-16,26 0 15,-26 0-15,50 0 16,-25 0-16,0 0 16,25 0-16,-49 0 15,49 0-15,-25 0 16,25 0-16,-25 0 15,25 0 1,1 0 0,-26 0-16,25 0 15,0 24-15,-25-24 16,25 0-16,0 0 0,-25 0 16,26 0-1,-1 0 1,0 0-16,-25 0 15,25 0-15,0 0 16,0 0-16,-25 0 16,1 0-16,-1 25 15,-25-25-15,50 0 16,-25 0-16,1 0 16,24 0-16,-25 0 15,0 0-15,0 0 16,25 25-1,1-25-15,-26 0 0,0 0 16,0 0-16,0 25 16,25-25-1,1 25-15,-1-25 16,-25 0-16,25 0 16,0 0-16,0 0 15,0 25-15,0-25 16,0 0-1,0 25-15,1-25 16,-1 0 15,0 25-31,25 0 0,-25-25 16,0 25 0,0-25-16,0 24 15,25 1-15,-25-25 16,25 25-1,-25 25-15,25-25 16,0 25 0,0-25-16,0 0 15,0-1-15,0 1 16,0 0 0,0 0-1,0 0-15,0 0 16,0 0-16,0 25 15,0-25 17,25 0-32,0-1 31,-25 1-15,0 0-1,25-25 1,-25 25-1,25-25-15,-25 25 16,25 0 0,0-25-1,0 0-15,-25 25 16,25-25-16,-1 0 16,26 0-16,-25 0 15,25 0 1,0 0-16,-25 0 15,0 25-15,0-25 16,-1 0-16,26 0 16,0 0-16,25 0 15,-50 0-15,0 0 16,24 0-16,-24 0 16,25 0-16,25 0 15,-50 0 1,49 0-16,-49 0 15,25 0-15,0 0 16,-25 0-16,49 0 16,-49 0-16,0 0 0,0 0 15,50 0 1,-25 0-16,-1 0 16,-24 0-1,0 0-15,50 0 16,-50 0-16,25 0 15,-25 0-15,49 0 16,-24 0-16,0 0 16,-25 0-16,25 0 15,-1 0 1,26 0-16,-50 0 0,25 0 16,0 0-16,24 0 15,1 0-15,-50 0 16,25 0-16,0 0 15,-1 0 1,1 0-16,0 0 16,-25 0-16,25 0 15,-1 0-15,1 0 16,0 0-16,0 0 0,-25 0 16,0 0-1,0 0-15,24 0 16,26 0-16,-50 0 31,25 0-31,-25 0 16,25 0-16,-1 0 15,-24 0-15,0 0 16,25 0-16,-25 0 16,0 0-1,0 0-15,24 0 16,-24 0-1,25 0-15,-25 0 16,25 0-16,0 0 0,-1 0 16,-24-25-1,25 0-15,-25 25 16,0 0-16,0-25 16,0 25-16,0 0 15,0-25-15,-1 25 16,1-25-16,0 25 31,0-25-31,0 25 31,0-25-15,0 25 31,0-24-32,-25-1 17,0 0-17,0 0-15,0-25 16,0 25 0,0 0-16,0 0 15,0-25-15,0 1 16,-25-1-1,25 0-15,-25 25 16,0-25-16,25 1 16,-25-1-1,25 25 1,0 0 0,-25 0-1,0 0 1,0 0-1,-24 0 1</inkml:trace>
-  <inkml:trace contextRef="#ctx0" brushRef="#br0" timeOffset="178208.85">28563 6699 0,'-25'0'125,"0"25"-94,25 0-31,-25-25 16,0 0-16,0 25 0,25 0 31,0 0 16,0-1 0,0 1-32,25-25 1,0 0-16,0 25 15,0 0 1,0-25 0,-1 0-1,1 0 1,0 0 0,0 0 15,0 0-16,0-25 1,-25 0 15,0 0-31,0 1 16,0-1 0,0 0-16,0 0 15,0 0 1,0 0-1</inkml:trace>
-  <inkml:trace contextRef="#ctx0" brushRef="#br0" timeOffset="178777.35">28662 6898 0,'0'25'31,"0"0"-15,0 0-1,0 0 1,0 0-16,25 0 16,-25 0-16,25-1 15,-25 1 1,25 25-16,0-25 31,0 0 0</inkml:trace>
+  <inkml:trace contextRef="#ctx0" brushRef="#br0" timeOffset="178208.84">28563 6699 0,'-25'0'125,"0"25"-94,25 0-31,-25-25 16,0 0-16,0 25 0,25 0 31,0 0 16,0-1 0,0 1-32,25-25 1,0 0-16,0 25 15,0 0 1,0-25 0,-1 0-1,1 0 1,0 0 0,0 0 15,0 0-16,0-25 1,-25 0 15,0 0-31,0 1 16,0-1 0,0 0-16,0 0 15,0 0 1,0 0-1</inkml:trace>
+  <inkml:trace contextRef="#ctx0" brushRef="#br0" timeOffset="178777.34">28662 6898 0,'0'25'31,"0"0"-15,0 0-1,0 0 1,0 0-16,25 0 16,-25 0-16,25-1 15,-25 1 1,25 25-16,0-25 31,0 0 0</inkml:trace>
   <inkml:trace contextRef="#ctx0" brushRef="#br0" timeOffset="182476.11">32572 6724 0,'-25'-25'125,"0"0"-125,0 25 0,25-25 15,-25 25-15,-25 0 16,25-25-1,1 25-15,-1 0 16,-50 0-16,50 0 16,0 0-1,0 0 1,0 0-16,0 0 16,1 0-1,-26 0-15,25 25 16,0 0-1,0 0 1,0 0-16,0 0 16,25 0-1,-25 0-15,25 0 16,-25-1 0,25 1-1,0 0 16,0 25 1,0-25-32,0 0 31,0 0-15,25-25-16,-25 25 15,25 0-15,0-25 31,0 24-31,0 1 32,0-25-1,0 0-15,0 0 15,-25 25-16,25-25 32,-25 25 63,-50-25-48,25 0-62,0 0 16,0 0-16,0 0 0,0 0 15,0 0 1,0 0-16,1 0 16,-1 0-16,0 0 15,0 25 1,0 0 15,25 0 0,0 0-15,0 0-16,0 0 16,0 0-16,0-1 15,-25-24 1,25 25-16,0 0 16,0 0-1,0 0 1,0 0-1,25-25 110,0 0-109,0 0 0,25-25-1,-26 25-15,1 0 16,25 0 0,-25 0-16,0-25 15,25 25-15,0 0 0,-26 0 31,1 0-31,50 0 16,-25 0-16,0 0 16,-25 0-1,-1 0-15,1 0 16,0 0 0,0-25-16,0 25 15,0 0 1,0 0-1,0 0-15,0 0 0,0 0 16,-1 0-16,1 0 16,0 0-1,25 0-15,-25 0 0,0 0 16,0 0 0,25 0-16,-1 0 15,1 25-15,0-25 16,-25 0-1,0 0 79,-25-25-47,0 0-31,0 0-1,0 1 1,0-1 0,0 0-1,0 0-15,0 0 31,0 0-31,0 0 32,0 0-17,0 0 17,0 0-17,0 0 16,0 1 1,-25 24 15,-25 0-16,0 0-31,25 0 15,0 24 1,1-24-16,-26 0 16,0 0-16,25 0 15,0 0-15,0 0 16,0 0 0,0 0-16,25-24 265,0-1-249,0 0-1,0 0 32,0 0 110,25 25-126,0 0 0,0 0-31,0 0 16,-25-25-1,25 25 1,-25-25 15,0-25 0,0 25 1,0 1 15,0-1-32,0 0-15,0 0 16,0 0 15</inkml:trace>
   <inkml:trace contextRef="#ctx0" brushRef="#br0" timeOffset="188780.14">23956 8417 0,'25'25'94,"-1"-25"-79,51 0-15,-50 0 16,25 0 0,-25 0-16,50 0 15,-1-25-15,51 25 16,-26 0-16,26 0 16,24 0-16,1 0 15,-26 0-15,26 0 16,-26 0-16,26 0 15,-26 0-15,-24 0 16,-1 0 0,-24 0-16,-25 0 15,24 0-15,-24 0 0,-25 0 16,25 0 0,0 0-16,0 0 0,-1 0 15,1 0 1,0 0-16,25 0 15,-26 0-15,1 0 16,25 0-16,-25 0 16,0 0-16,-25 0 15,-1 0-15,1 0 16</inkml:trace>
   <inkml:trace contextRef="#ctx0" brushRef="#br0" timeOffset="190665.67">23906 8467 0,'0'25'94,"0"0"-94,0 25 16,0 24-16,0-24 15,0 50-15,0-75 16,0 49-16,25 1 15,-25-25-15,0 25 16,0-1-16,0 26 16,0-25-16,25 24 15,0-24-15,-25 25 16,24-26-16,-24 1 16,0 0-16,0-25 15,25 24-15,-25-24 16,0 0-1,25 0-15,-25-1 16,0 1-16,25 0 0,-25 0 16,25 0-16,-25-1 15,0 1-15,25-25 16,0 50 0,-25-50-16,0 0 15,25 0-15,-25-1 16,0 1-1,0 0-15,0 0 16,0 25 0,0-25-1,0 0 1,0 0 0,0 0-1,0-1 1,0 1-1,0 0 1,0 0 0,0 0-1,0 0 1,0 0 31,0 0-16,25-25-15,0 0-1,0 0-15,24 0 16,-24 0-16,0 0 16,50 0-16,24 0 15,-24 0-15,-25 0 16,0 0-1,24 0-15,26 0 16,0 0-16,-1 0 0,1 0 16,-1 0-16,1 0 15,0 0 1,-26 0-16,1 0 16,0 0-16,-50 0 15,49 0-15,-49 0 16,25 0-16,0 0 15,0 0 1,-25 0-16,0 25 16,-1-25-16,26 0 15,-25 0 1,0 25-16,0-25 16,0 0-16,74 49 15,-74-49-15,0 0 16,0 0-16,25 0 15,0 0 1,0 0-16,-26 0 16,1 0-16,0 0 15,0 0-15,0 0 0,0 0 16,0 0 0,0 0-16,0 0 15,0 0-15,0 0 16,-1 0-1,1 0 1,0 0-16,0 0 16,25 0-1,-25 0 1,0 0 0,0 0 140</inkml:trace>
@@ -271,7 +273,7 @@
   <inkml:trace contextRef="#ctx0" brushRef="#br0" timeOffset="195176.46">27317 9986 0,'-49'0'16,"49"25"0,0 0-1,0 25 17,0-25-17,25 0 1,-1-25-1,26 0-15,50 0 16,-50 0-16,49 0 0,-24 0 16,49 0-16,-24 0 15,-50 0-15,0-25 16,74 25 0,-24-50-16,-1 50 15,1-25-15,0 0 16,-51 25-16,26 0 15,-25 0 1,-25 0-16,0 0 16,0 25-16,0 0 15,-1-25-15,1 25 16,25 0-16,-25-25 16,25 0-16,25 25 15,-26-25-15,51 0 16,-75 0-16,50 0 15,24 0-15,26 0 16,24 0 0,1-25-16,-1 25 15,-25-50-15,26 25 16,-26 25-16,26-25 0,-51 0 16,26 0-16,-25 0 15,24 25 1,-49 0-16,-1 0 15,1 0-15,-25 0 16,25-25-16,-50 25 16,49-24-16,-24-1 15,-25 0-15,25 25 16,-25-25-16,0 0 16</inkml:trace>
   <inkml:trace contextRef="#ctx0" brushRef="#br0" timeOffset="196379.33">27342 10783 0,'0'50'47,"0"-25"-16,0 0-31,25-25 94,75-25-94,-75 0 16,74 0-16,-49 25 15,25 0-15,24 0 0,-49 0 16,0 0-1,0 0-15,-25 0 16,25 0-16,-25 0 16,24 0-16,-24 0 15,75 0-15,-75 0 16,49 0-16,1 0 16,25 0-16,-1 0 15,1 0-15,-50 0 16,24-25-1,26 0-15,25 25 0,-1-25 16,26 25-16,-51 0 16,-24 0-1,-50 0-15,49 0 0,-49 0 16,0 0 0,0 0-16,0 25 15,25 0-15,0 0 16,-1-25-16,1 0 15,-25 0-15,75 0 16,24 0-16,-24 0 16,-50 0-16,24 0 15,1 0-15,50 0 16,-26 0 0,1 0-16,49 0 0,-24 0 15,-1 0-15,-49 0 16,0 0-16,-1 0 15,-24 0 1,0 0 0,0 25-1,-25-25 1,0 0-16,-1 0 16,1 0-16,50 0 15,-50 0-15,50 0 16,-25 0-16,49 0 15,-49 0-15,25-25 16,-1 25-16,51-75 16,-100 75-16,49-50 15,-49 50-15,0-25 16,0 1-16,0 24 16</inkml:trace>
   <inkml:trace contextRef="#ctx0" brushRef="#br0" timeOffset="197419.42">27243 11082 0,'0'0'0,"0"25"16,0 0 15,0 0-15,0-1 15,25-24-31,0 0 0,74 0 15,-49 0 1,25 0-16,-1 0 0,26 0 16,-25 0-1,-1 0-15,1 0 16,25 0-16,-75 0 16,74 0-16,1 0 15,-75 0-15,0 0 16,24 0-16,1 0 15,0 0-15,0 0 16,-25 0-16,25 0 16,-26 25-16,1-25 15,75 25-15,-75-25 16,50 0-16,-26 0 16,51 0-16,-25 0 15,-26 0-15,26 0 16,25-25-1,-1 0-15,26 1 16,-25-26-16,49 0 16,-25 25-16,1-25 15,-1 50-15,-24-25 0,-25 25 16,24 0 0,-49 0-16,0 0 15,0 0-15,0 0 16,-1 0-16,1 0 15,0 0-15,0 0 16,0 0-16,-1 0 16,26 0-16,-50 0 15,25 0-15,0 0 16,-25 0-16,24 0 16,-24 0-1,0 0-15</inkml:trace>
-  <inkml:trace contextRef="#ctx0" brushRef="#br0" timeOffset="199779.35">24454 11406 0,'0'49'47,"0"1"-31,25 25-16,-25 0 15,0-1-15,0 26 16,0-1-16,0-49 16,0 0-16,0 50 15,0-75-15,0-1 16,0 1-16,25 0 16,24-25 15,1 0-31,25-74 15,0-26-15,24 25 16,1 1 0,-50 24-16,24 0 15,-24 0-15,25 25 16,-25 25-16,74-25 16,-74 25-16,-25 0 15,0 0-15,-25 25 16,0 50-1,0-50-15,0 25 16,0-25-16,0 24 16,0-24-16,0 25 15,0-25-15,25-25 32,0 0-17,99 0 1,-24-125-16,-26 76 15,1-26-15,25 25 16,-26 25-16,-24 0 16,25 25-16,-50 0 15,-25 25 17,25 25-32,0 0 15,-25 0-15,24-1 16,1-24-16,-25 0 15,50 0-15,-25 0 16,25-25-16,0 0 16,-1 0-16,1-50 15,-25 50 1,75-50-16,-50-24 16,-50 49-16,49 25 15,-24-25-15,-25 100 47,0-26-31,25-24-16,25 25 15,-25-50 1,50 0-16,-26 0 16,1 0-16,50 0 15,-25 0-15,24-75 16,1 51-16,-26-51 15,-24 50-15,0 0 16,0 0-16,-50 75 47,0 0-31,0-25-1,0 24-15,-25 1 16,25 0-16,0-25 15,0 0 1,25-25-16,74 0 16,-24 0-16,25 0 15,-50 0-15,24 0 16,26-50-16,24 25 16,-24-25-16,-25 25 15,-1 1-15,-74-1 16,25 25 46,0-25-62,25 25 0,25-50 16,-1 0 0,1 50-16,-50-25 0,50 25 15,-25-25-15,-26 25 16,1 0 15,-25 50-15,0-25-1,0 0-15,0 0 16,25 0 0,0-25-1,25 0-15,0 0 16,0 0-1,24 0-15,1 0 0,50 0 16,-26 0-16,51-25 16,-76 0-16,1 25 15,-50 0 1,0 0 46,25 0-46,24 0 0,-24 0-16,0 0 15,49 0-15,26 0 16,-75 0-16,25 0 16,-1 0-16,-24 0 15,25 0-15,-1 0 16,-49 0-16,25 25 15,-50 0-15,0 0 16,0 0 0,25-1-16,-25 1 15,25-25 1,0 0-16,25 0 16,-25 0-16,49-49 15,1 24 1,49-25-16,1-25 15,-75 75-15,24-25 16,1 0-16,50 0 16,-26 1-16,-24-26 15,0 50-15,-1-25 16,-49 25-16,0 0 16,0 0-16,0 0 15</inkml:trace>
+  <inkml:trace contextRef="#ctx0" brushRef="#br0" timeOffset="199779.34">24454 11406 0,'0'49'47,"0"1"-31,25 25-16,-25 0 15,0-1-15,0 26 16,0-1-16,0-49 16,0 0-16,0 50 15,0-75-15,0-1 16,0 1-16,25 0 16,24-25 15,1 0-31,25-74 15,0-26-15,24 25 16,1 1 0,-50 24-16,24 0 15,-24 0-15,25 25 16,-25 25-16,74-25 16,-74 25-16,-25 0 15,0 0-15,-25 25 16,0 50-1,0-50-15,0 25 16,0-25-16,0 24 16,0-24-16,0 25 15,0-25-15,25-25 32,0 0-17,99 0 1,-24-125-16,-26 76 15,1-26-15,25 25 16,-26 25-16,-24 0 16,25 25-16,-50 0 15,-25 25 17,25 25-32,0 0 15,-25 0-15,24-1 16,1-24-16,-25 0 15,50 0-15,-25 0 16,25-25-16,0 0 16,-1 0-16,1-50 15,-25 50 1,75-50-16,-50-24 16,-50 49-16,49 25 15,-24-25-15,-25 100 47,0-26-31,25-24-16,25 25 15,-25-50 1,50 0-16,-26 0 16,1 0-16,50 0 15,-25 0-15,24-75 16,1 51-16,-26-51 15,-24 50-15,0 0 16,0 0-16,-50 75 47,0 0-31,0-25-1,0 24-15,-25 1 16,25 0-16,0-25 15,0 0 1,25-25-16,74 0 16,-24 0-16,25 0 15,-50 0-15,24 0 16,26-50-16,24 25 16,-24-25-16,-25 25 15,-1 1-15,-74-1 16,25 25 46,0-25-62,25 25 0,25-50 16,-1 0 0,1 50-16,-50-25 0,50 25 15,-25-25-15,-26 25 16,1 0 15,-25 50-15,0-25-1,0 0-15,0 0 16,25 0 0,0-25-1,25 0-15,0 0 16,0 0-1,24 0-15,1 0 0,50 0 16,-26 0-16,51-25 16,-76 0-16,1 25 15,-50 0 1,0 0 46,25 0-46,24 0 0,-24 0-16,0 0 15,49 0-15,26 0 16,-75 0-16,25 0 16,-1 0-16,-24 0 15,25 0-15,-1 0 16,-49 0-16,25 25 15,-50 0-15,0 0 16,0 0 0,25-1-16,-25 1 15,25-25 1,0 0-16,25 0 16,-25 0-16,49-49 15,1 24 1,49-25-16,1-25 15,-75 75-15,24-25 16,1 0-16,50 0 16,-26 1-16,-24-26 15,0 50-15,-1-25 16,-49 25-16,0 0 16,0 0-16,0 0 15</inkml:trace>
   <inkml:trace contextRef="#ctx0" brushRef="#br0" timeOffset="201468.07">24429 12900 0,'0'25'16,"50"-25"31,-25 0-32,-1 0-15,26 0 16,0 0-16,0 0 16,0 0-16,24 0 15,101 0-15,-26 0 16,25 0-16,51 0 16,-1 0-16,50 0 15,24 0-15,-24 0 16,-25 0-16,25 0 15,25 0-15,0 0 16,-25 0-16,-50 0 16,-25 0-16,25 0 15,-25 0 1,1 0-16,-51 0 16,1 0-16,-26 0 15,1 0-15,-1 0 16,-24 0-16,-1 0 15,26 0-15,-26 0 16,26 0-16,-1 0 16,-24 0-16,0 0 15,24 0-15,1 0 16,-1-25-16,-24 0 16,49 0-16,-49 25 15,-26 0-15,26-25 16,-25 25-16,-1 0 15,1 0 1,-25 0-16,25 0 16,-25 0-16,-26 0 0,1 0 15,0 0-15,0 0 16,0 0 0,0 0-16,0 0 15</inkml:trace>
   <inkml:trace contextRef="#ctx0" brushRef="#br0" timeOffset="203504.24">24230 12974 0,'-25'0'62,"25"25"-46,0 0-1,0 0-15,0 0 16,0 0-16,25 25 16,-25-25-16,0 49 15,25-24-15,-25 0 16,0 0-16,0 49 15,0-49-15,0 25 16,24 0-16,-24 24 16,0-49-16,0 50 15,25-1-15,0 1 16,-25-50-16,0-1 16,0 1-16,0 25 15,0 24-15,0 1 16,25 0-1,0-1-15,-25 26 16,25-50-16,-25 49 0,25-49 16,-25-25-1,0 24-15,25 1 16,0 0-16,-25-1 16,25-49-16,-1 75 15,-24-75-15,25 49 16,-25-49-16,0 25 15,0-25-15,0 0 16,25 0-16,-25 0 16,0 0-16,0 0 15,0-1 1,0 1 0,0 0-1,25-25 126,0 0-126,25 0 1,0 0-16,24 0 16,-24 0-16,25 0 15,-50 0-15,49 0 16,-24 0-16,50 0 16,24 0-1,-24 0-15,25 0 0,-1 0 16,25 0-1,-24 0-15,-1 0 0,26 0 16,-1 0-16,1 0 16,-26 0-1,51 0-15,-26 0 16,25 0-16,-24 0 16,24 0-16,0 0 15,1 0-15,24 0 16,-25 0-16,0 0 15,-24 0-15,24 0 16,-49 0-16,24-25 16,-24 25-16,24 0 15,-24 0-15,-1 0 16,1 0-16,24 0 16,0 0-16,-24 0 15,-26 0-15,1 0 16,0 0-1,-26 0-15,26 0 16,-25 0-16,-1 0 16,-24 0-16,25 0 15,0 0-15,-26 0 0,26 0 16,0 0 0,-25 0-16,24 0 15,-24 0-15,0 0 16,0 0-16,0 0 15,-1 0-15,-24 0 16,50 0-16,-50 0 16,0 0-16,25 0 15,-1 0-15,1 0 16,25 0 0,-50 0-16,0 0 0,0 0 15,0 0-15,-1 0 16,26 0-1,0 0 1,0 0 0,0-25-16,-25 25 15,24 0-15,1 0 16,0-24-16,-25 24 16,0 0-16,0 0 15,0 0-15,-1-25 16,1 25-16,0 0 15,25-50 17,-50 25-17,0 0 1,0 0-16,25-50 16,-25 26-16</inkml:trace>
   <inkml:trace contextRef="#ctx0" brushRef="#br0" timeOffset="204092.43">32646 13124 0,'0'25'31,"0"0"-15,0 49-16,0 1 16,0 25-16,0 24 15,0-24-15,0-50 16,0 49-16,0 26 0,0 49 16,0-25-1,0 51-15,0-51 16,0-25-16,0 51 15,0-51 1,0 26-16,0-26 0,0 1 16,0-1-16,0-49 15,0 0-15,0 24 16,0-74-16,0 0 16,0 25-1,0 0-15,0-25 16,0-1-16,0 1 15</inkml:trace>
@@ -291,6 +293,355 @@
   <inkml:trace contextRef="#ctx0" brushRef="#br0" timeOffset="209958.03">29957 15489 0,'249'25'16,"-224"-25"-1,25 25 1,-25-25-16,49 25 15,-24-25-15,0 0 0,25 25 16,49-25-16,-74 25 16,50-25-1</inkml:trace>
   <inkml:trace contextRef="#ctx0" brushRef="#br0" timeOffset="210129.83">31501 15614 0,'0'0'0,"50"0"16,-25 0 0,49 0-1,-24 0 1,25-50 0,0 0-16,24-24 0</inkml:trace>
 </inkml:ink>
+</file>
+
+<file path=ppt/notesMasters/notesMaster1.xml><?xml version="1.0" encoding="utf-8"?>
+<p:notesMaster xmlns:a="http://schemas.openxmlformats.org/drawingml/2006/main" xmlns:r="http://schemas.openxmlformats.org/officeDocument/2006/relationships" xmlns:p="http://schemas.openxmlformats.org/presentationml/2006/main">
+  <p:cSld>
+    <p:bg>
+      <p:bgRef idx="1001">
+        <a:schemeClr val="bg1"/>
+      </p:bgRef>
+    </p:bg>
+    <p:spTree>
+      <p:nvGrpSpPr>
+        <p:cNvPr id="1" name=""/>
+        <p:cNvGrpSpPr/>
+        <p:nvPr/>
+      </p:nvGrpSpPr>
+      <p:grpSpPr>
+        <a:xfrm>
+          <a:off x="0" y="0"/>
+          <a:ext cx="0" cy="0"/>
+          <a:chOff x="0" y="0"/>
+          <a:chExt cx="0" cy="0"/>
+        </a:xfrm>
+      </p:grpSpPr>
+      <p:sp>
+        <p:nvSpPr>
+          <p:cNvPr id="2" name="Chỗ dành sẵn cho Đầu trang 1"/>
+          <p:cNvSpPr>
+            <a:spLocks noGrp="1"/>
+          </p:cNvSpPr>
+          <p:nvPr>
+            <p:ph type="hdr" sz="quarter"/>
+          </p:nvPr>
+        </p:nvSpPr>
+        <p:spPr>
+          <a:xfrm>
+            <a:off x="0" y="0"/>
+            <a:ext cx="2971800" cy="458788"/>
+          </a:xfrm>
+          <a:prstGeom prst="rect">
+            <a:avLst/>
+          </a:prstGeom>
+        </p:spPr>
+        <p:txBody>
+          <a:bodyPr vert="horz" lIns="91440" tIns="45720" rIns="91440" bIns="45720" rtlCol="0"/>
+          <a:lstStyle>
+            <a:lvl1pPr algn="l">
+              <a:defRPr sz="1200"/>
+            </a:lvl1pPr>
+          </a:lstStyle>
+          <a:p>
+            <a:endParaRPr lang="vi-VN"/>
+          </a:p>
+        </p:txBody>
+      </p:sp>
+      <p:sp>
+        <p:nvSpPr>
+          <p:cNvPr id="3" name="Chỗ dành sẵn cho Ngày tháng 2"/>
+          <p:cNvSpPr>
+            <a:spLocks noGrp="1"/>
+          </p:cNvSpPr>
+          <p:nvPr>
+            <p:ph type="dt" idx="1"/>
+          </p:nvPr>
+        </p:nvSpPr>
+        <p:spPr>
+          <a:xfrm>
+            <a:off x="3884613" y="0"/>
+            <a:ext cx="2971800" cy="458788"/>
+          </a:xfrm>
+          <a:prstGeom prst="rect">
+            <a:avLst/>
+          </a:prstGeom>
+        </p:spPr>
+        <p:txBody>
+          <a:bodyPr vert="horz" lIns="91440" tIns="45720" rIns="91440" bIns="45720" rtlCol="0"/>
+          <a:lstStyle>
+            <a:lvl1pPr algn="r">
+              <a:defRPr sz="1200"/>
+            </a:lvl1pPr>
+          </a:lstStyle>
+          <a:p>
+            <a:fld id="{A88E820D-16A4-4831-A52F-37A884D7B319}" type="datetimeFigureOut">
+              <a:rPr lang="vi-VN" smtClean="0"/>
+              <a:t>16/11/2021</a:t>
+            </a:fld>
+            <a:endParaRPr lang="vi-VN"/>
+          </a:p>
+        </p:txBody>
+      </p:sp>
+      <p:sp>
+        <p:nvSpPr>
+          <p:cNvPr id="4" name="Chỗ dành sẵn cho Hình ảnh của Bản chiếu 3"/>
+          <p:cNvSpPr>
+            <a:spLocks noGrp="1" noRot="1" noChangeAspect="1"/>
+          </p:cNvSpPr>
+          <p:nvPr>
+            <p:ph type="sldImg" idx="2"/>
+          </p:nvPr>
+        </p:nvSpPr>
+        <p:spPr>
+          <a:xfrm>
+            <a:off x="685800" y="1143000"/>
+            <a:ext cx="5486400" cy="3086100"/>
+          </a:xfrm>
+          <a:prstGeom prst="rect">
+            <a:avLst/>
+          </a:prstGeom>
+          <a:noFill/>
+          <a:ln w="12700">
+            <a:solidFill>
+              <a:prstClr val="black"/>
+            </a:solidFill>
+          </a:ln>
+        </p:spPr>
+        <p:txBody>
+          <a:bodyPr vert="horz" lIns="91440" tIns="45720" rIns="91440" bIns="45720" rtlCol="0" anchor="ctr"/>
+          <a:lstStyle/>
+          <a:p>
+            <a:endParaRPr lang="vi-VN"/>
+          </a:p>
+        </p:txBody>
+      </p:sp>
+      <p:sp>
+        <p:nvSpPr>
+          <p:cNvPr id="5" name="Chỗ dành sẵn cho Ghi chú 4"/>
+          <p:cNvSpPr>
+            <a:spLocks noGrp="1"/>
+          </p:cNvSpPr>
+          <p:nvPr>
+            <p:ph type="body" sz="quarter" idx="3"/>
+          </p:nvPr>
+        </p:nvSpPr>
+        <p:spPr>
+          <a:xfrm>
+            <a:off x="685800" y="4400550"/>
+            <a:ext cx="5486400" cy="3600450"/>
+          </a:xfrm>
+          <a:prstGeom prst="rect">
+            <a:avLst/>
+          </a:prstGeom>
+        </p:spPr>
+        <p:txBody>
+          <a:bodyPr vert="horz" lIns="91440" tIns="45720" rIns="91440" bIns="45720" rtlCol="0"/>
+          <a:lstStyle/>
+          <a:p>
+            <a:pPr lvl="0"/>
+            <a:r>
+              <a:rPr lang="vi-VN"/>
+              <a:t>Bấm để chỉnh sửa kiểu văn bản của Bản cái</a:t>
+            </a:r>
+          </a:p>
+          <a:p>
+            <a:pPr lvl="1"/>
+            <a:r>
+              <a:rPr lang="vi-VN"/>
+              <a:t>Mức hai</a:t>
+            </a:r>
+          </a:p>
+          <a:p>
+            <a:pPr lvl="2"/>
+            <a:r>
+              <a:rPr lang="vi-VN"/>
+              <a:t>Mức ba</a:t>
+            </a:r>
+          </a:p>
+          <a:p>
+            <a:pPr lvl="3"/>
+            <a:r>
+              <a:rPr lang="vi-VN"/>
+              <a:t>Mức bốn</a:t>
+            </a:r>
+          </a:p>
+          <a:p>
+            <a:pPr lvl="4"/>
+            <a:r>
+              <a:rPr lang="vi-VN"/>
+              <a:t>Mức năm</a:t>
+            </a:r>
+          </a:p>
+        </p:txBody>
+      </p:sp>
+      <p:sp>
+        <p:nvSpPr>
+          <p:cNvPr id="6" name="Chỗ dành sẵn cho Chân trang 5"/>
+          <p:cNvSpPr>
+            <a:spLocks noGrp="1"/>
+          </p:cNvSpPr>
+          <p:nvPr>
+            <p:ph type="ftr" sz="quarter" idx="4"/>
+          </p:nvPr>
+        </p:nvSpPr>
+        <p:spPr>
+          <a:xfrm>
+            <a:off x="0" y="8685213"/>
+            <a:ext cx="2971800" cy="458787"/>
+          </a:xfrm>
+          <a:prstGeom prst="rect">
+            <a:avLst/>
+          </a:prstGeom>
+        </p:spPr>
+        <p:txBody>
+          <a:bodyPr vert="horz" lIns="91440" tIns="45720" rIns="91440" bIns="45720" rtlCol="0" anchor="b"/>
+          <a:lstStyle>
+            <a:lvl1pPr algn="l">
+              <a:defRPr sz="1200"/>
+            </a:lvl1pPr>
+          </a:lstStyle>
+          <a:p>
+            <a:endParaRPr lang="vi-VN"/>
+          </a:p>
+        </p:txBody>
+      </p:sp>
+      <p:sp>
+        <p:nvSpPr>
+          <p:cNvPr id="7" name="Chỗ dành sẵn cho Số hiệu Bản chiếu 6"/>
+          <p:cNvSpPr>
+            <a:spLocks noGrp="1"/>
+          </p:cNvSpPr>
+          <p:nvPr>
+            <p:ph type="sldNum" sz="quarter" idx="5"/>
+          </p:nvPr>
+        </p:nvSpPr>
+        <p:spPr>
+          <a:xfrm>
+            <a:off x="3884613" y="8685213"/>
+            <a:ext cx="2971800" cy="458787"/>
+          </a:xfrm>
+          <a:prstGeom prst="rect">
+            <a:avLst/>
+          </a:prstGeom>
+        </p:spPr>
+        <p:txBody>
+          <a:bodyPr vert="horz" lIns="91440" tIns="45720" rIns="91440" bIns="45720" rtlCol="0" anchor="b"/>
+          <a:lstStyle>
+            <a:lvl1pPr algn="r">
+              <a:defRPr sz="1200"/>
+            </a:lvl1pPr>
+          </a:lstStyle>
+          <a:p>
+            <a:fld id="{D96C6E44-2892-4190-9CB1-30F8566BECBA}" type="slidenum">
+              <a:rPr lang="vi-VN" smtClean="0"/>
+              <a:t>‹#›</a:t>
+            </a:fld>
+            <a:endParaRPr lang="vi-VN"/>
+          </a:p>
+        </p:txBody>
+      </p:sp>
+    </p:spTree>
+    <p:extLst>
+      <p:ext uri="{BB962C8B-B14F-4D97-AF65-F5344CB8AC3E}">
+        <p14:creationId xmlns:p14="http://schemas.microsoft.com/office/powerpoint/2010/main" val="1528602207"/>
+      </p:ext>
+    </p:extLst>
+  </p:cSld>
+  <p:clrMap bg1="lt1" tx1="dk1" bg2="lt2" tx2="dk2" accent1="accent1" accent2="accent2" accent3="accent3" accent4="accent4" accent5="accent5" accent6="accent6" hlink="hlink" folHlink="folHlink"/>
+  <p:notesStyle>
+    <a:lvl1pPr marL="0" algn="l" defTabSz="914400" rtl="0" eaLnBrk="1" latinLnBrk="0" hangingPunct="1">
+      <a:defRPr sz="1200" kern="1200">
+        <a:solidFill>
+          <a:schemeClr val="tx1"/>
+        </a:solidFill>
+        <a:latin typeface="+mn-lt"/>
+        <a:ea typeface="+mn-ea"/>
+        <a:cs typeface="+mn-cs"/>
+      </a:defRPr>
+    </a:lvl1pPr>
+    <a:lvl2pPr marL="457200" algn="l" defTabSz="914400" rtl="0" eaLnBrk="1" latinLnBrk="0" hangingPunct="1">
+      <a:defRPr sz="1200" kern="1200">
+        <a:solidFill>
+          <a:schemeClr val="tx1"/>
+        </a:solidFill>
+        <a:latin typeface="+mn-lt"/>
+        <a:ea typeface="+mn-ea"/>
+        <a:cs typeface="+mn-cs"/>
+      </a:defRPr>
+    </a:lvl2pPr>
+    <a:lvl3pPr marL="914400" algn="l" defTabSz="914400" rtl="0" eaLnBrk="1" latinLnBrk="0" hangingPunct="1">
+      <a:defRPr sz="1200" kern="1200">
+        <a:solidFill>
+          <a:schemeClr val="tx1"/>
+        </a:solidFill>
+        <a:latin typeface="+mn-lt"/>
+        <a:ea typeface="+mn-ea"/>
+        <a:cs typeface="+mn-cs"/>
+      </a:defRPr>
+    </a:lvl3pPr>
+    <a:lvl4pPr marL="1371600" algn="l" defTabSz="914400" rtl="0" eaLnBrk="1" latinLnBrk="0" hangingPunct="1">
+      <a:defRPr sz="1200" kern="1200">
+        <a:solidFill>
+          <a:schemeClr val="tx1"/>
+        </a:solidFill>
+        <a:latin typeface="+mn-lt"/>
+        <a:ea typeface="+mn-ea"/>
+        <a:cs typeface="+mn-cs"/>
+      </a:defRPr>
+    </a:lvl4pPr>
+    <a:lvl5pPr marL="1828800" algn="l" defTabSz="914400" rtl="0" eaLnBrk="1" latinLnBrk="0" hangingPunct="1">
+      <a:defRPr sz="1200" kern="1200">
+        <a:solidFill>
+          <a:schemeClr val="tx1"/>
+        </a:solidFill>
+        <a:latin typeface="+mn-lt"/>
+        <a:ea typeface="+mn-ea"/>
+        <a:cs typeface="+mn-cs"/>
+      </a:defRPr>
+    </a:lvl5pPr>
+    <a:lvl6pPr marL="2286000" algn="l" defTabSz="914400" rtl="0" eaLnBrk="1" latinLnBrk="0" hangingPunct="1">
+      <a:defRPr sz="1200" kern="1200">
+        <a:solidFill>
+          <a:schemeClr val="tx1"/>
+        </a:solidFill>
+        <a:latin typeface="+mn-lt"/>
+        <a:ea typeface="+mn-ea"/>
+        <a:cs typeface="+mn-cs"/>
+      </a:defRPr>
+    </a:lvl6pPr>
+    <a:lvl7pPr marL="2743200" algn="l" defTabSz="914400" rtl="0" eaLnBrk="1" latinLnBrk="0" hangingPunct="1">
+      <a:defRPr sz="1200" kern="1200">
+        <a:solidFill>
+          <a:schemeClr val="tx1"/>
+        </a:solidFill>
+        <a:latin typeface="+mn-lt"/>
+        <a:ea typeface="+mn-ea"/>
+        <a:cs typeface="+mn-cs"/>
+      </a:defRPr>
+    </a:lvl7pPr>
+    <a:lvl8pPr marL="3200400" algn="l" defTabSz="914400" rtl="0" eaLnBrk="1" latinLnBrk="0" hangingPunct="1">
+      <a:defRPr sz="1200" kern="1200">
+        <a:solidFill>
+          <a:schemeClr val="tx1"/>
+        </a:solidFill>
+        <a:latin typeface="+mn-lt"/>
+        <a:ea typeface="+mn-ea"/>
+        <a:cs typeface="+mn-cs"/>
+      </a:defRPr>
+    </a:lvl8pPr>
+    <a:lvl9pPr marL="3657600" algn="l" defTabSz="914400" rtl="0" eaLnBrk="1" latinLnBrk="0" hangingPunct="1">
+      <a:defRPr sz="1200" kern="1200">
+        <a:solidFill>
+          <a:schemeClr val="tx1"/>
+        </a:solidFill>
+        <a:latin typeface="+mn-lt"/>
+        <a:ea typeface="+mn-ea"/>
+        <a:cs typeface="+mn-cs"/>
+      </a:defRPr>
+    </a:lvl9pPr>
+  </p:notesStyle>
+</p:notesMaster>
 </file>
 
 <file path=ppt/slideLayouts/slideLayout1.xml><?xml version="1.0" encoding="utf-8"?>
@@ -438,9 +789,9 @@
           <a:bodyPr/>
           <a:lstStyle/>
           <a:p>
-            <a:fld id="{761D61EA-8B4B-4088-BE46-29F6153D55D8}" type="datetimeFigureOut">
+            <a:fld id="{6130FE31-D0FC-4A51-8026-4011083A62F2}" type="datetime1">
               <a:rPr lang="vi-VN" smtClean="0"/>
-              <a:t>25/10/2021</a:t>
+              <a:t>16/11/2021</a:t>
             </a:fld>
             <a:endParaRPr lang="vi-VN"/>
           </a:p>
@@ -636,9 +987,9 @@
           <a:bodyPr/>
           <a:lstStyle/>
           <a:p>
-            <a:fld id="{761D61EA-8B4B-4088-BE46-29F6153D55D8}" type="datetimeFigureOut">
+            <a:fld id="{F5FA08AE-2C89-4EA0-B9D8-4352E0DFF7C7}" type="datetime1">
               <a:rPr lang="vi-VN" smtClean="0"/>
-              <a:t>25/10/2021</a:t>
+              <a:t>16/11/2021</a:t>
             </a:fld>
             <a:endParaRPr lang="vi-VN"/>
           </a:p>
@@ -844,9 +1195,9 @@
           <a:bodyPr/>
           <a:lstStyle/>
           <a:p>
-            <a:fld id="{761D61EA-8B4B-4088-BE46-29F6153D55D8}" type="datetimeFigureOut">
+            <a:fld id="{BA778854-8600-4843-A004-1793EA166BA1}" type="datetime1">
               <a:rPr lang="vi-VN" smtClean="0"/>
-              <a:t>25/10/2021</a:t>
+              <a:t>16/11/2021</a:t>
             </a:fld>
             <a:endParaRPr lang="vi-VN"/>
           </a:p>
@@ -1042,9 +1393,9 @@
           <a:bodyPr/>
           <a:lstStyle/>
           <a:p>
-            <a:fld id="{761D61EA-8B4B-4088-BE46-29F6153D55D8}" type="datetimeFigureOut">
+            <a:fld id="{5F320FC0-3F80-450B-9702-DD4EA0DF604D}" type="datetime1">
               <a:rPr lang="vi-VN" smtClean="0"/>
-              <a:t>25/10/2021</a:t>
+              <a:t>16/11/2021</a:t>
             </a:fld>
             <a:endParaRPr lang="vi-VN"/>
           </a:p>
@@ -1317,9 +1668,9 @@
           <a:bodyPr/>
           <a:lstStyle/>
           <a:p>
-            <a:fld id="{761D61EA-8B4B-4088-BE46-29F6153D55D8}" type="datetimeFigureOut">
+            <a:fld id="{9120D16D-05D6-4570-B5AB-0C53843B40DF}" type="datetime1">
               <a:rPr lang="vi-VN" smtClean="0"/>
-              <a:t>25/10/2021</a:t>
+              <a:t>16/11/2021</a:t>
             </a:fld>
             <a:endParaRPr lang="vi-VN"/>
           </a:p>
@@ -1582,9 +1933,9 @@
           <a:bodyPr/>
           <a:lstStyle/>
           <a:p>
-            <a:fld id="{761D61EA-8B4B-4088-BE46-29F6153D55D8}" type="datetimeFigureOut">
+            <a:fld id="{C1930879-D6EC-43B3-9790-DC21330B035A}" type="datetime1">
               <a:rPr lang="vi-VN" smtClean="0"/>
-              <a:t>25/10/2021</a:t>
+              <a:t>16/11/2021</a:t>
             </a:fld>
             <a:endParaRPr lang="vi-VN"/>
           </a:p>
@@ -1994,9 +2345,9 @@
           <a:bodyPr/>
           <a:lstStyle/>
           <a:p>
-            <a:fld id="{761D61EA-8B4B-4088-BE46-29F6153D55D8}" type="datetimeFigureOut">
+            <a:fld id="{391FFE42-EAED-49BD-9891-C7BAD0DC7A4D}" type="datetime1">
               <a:rPr lang="vi-VN" smtClean="0"/>
-              <a:t>25/10/2021</a:t>
+              <a:t>16/11/2021</a:t>
             </a:fld>
             <a:endParaRPr lang="vi-VN"/>
           </a:p>
@@ -2135,9 +2486,9 @@
           <a:bodyPr/>
           <a:lstStyle/>
           <a:p>
-            <a:fld id="{761D61EA-8B4B-4088-BE46-29F6153D55D8}" type="datetimeFigureOut">
+            <a:fld id="{C21D87D3-5693-4934-9F08-F0D4D72F3CF5}" type="datetime1">
               <a:rPr lang="vi-VN" smtClean="0"/>
-              <a:t>25/10/2021</a:t>
+              <a:t>16/11/2021</a:t>
             </a:fld>
             <a:endParaRPr lang="vi-VN"/>
           </a:p>
@@ -2248,9 +2599,9 @@
           <a:bodyPr/>
           <a:lstStyle/>
           <a:p>
-            <a:fld id="{761D61EA-8B4B-4088-BE46-29F6153D55D8}" type="datetimeFigureOut">
+            <a:fld id="{57005273-2200-4DAE-B6C8-87E811B645B3}" type="datetime1">
               <a:rPr lang="vi-VN" smtClean="0"/>
-              <a:t>25/10/2021</a:t>
+              <a:t>16/11/2021</a:t>
             </a:fld>
             <a:endParaRPr lang="vi-VN"/>
           </a:p>
@@ -2559,9 +2910,9 @@
           <a:bodyPr/>
           <a:lstStyle/>
           <a:p>
-            <a:fld id="{761D61EA-8B4B-4088-BE46-29F6153D55D8}" type="datetimeFigureOut">
+            <a:fld id="{415415D9-0F4E-4734-ACB9-ABDD87068571}" type="datetime1">
               <a:rPr lang="vi-VN" smtClean="0"/>
-              <a:t>25/10/2021</a:t>
+              <a:t>16/11/2021</a:t>
             </a:fld>
             <a:endParaRPr lang="vi-VN"/>
           </a:p>
@@ -2847,9 +3198,9 @@
           <a:bodyPr/>
           <a:lstStyle/>
           <a:p>
-            <a:fld id="{761D61EA-8B4B-4088-BE46-29F6153D55D8}" type="datetimeFigureOut">
+            <a:fld id="{C51202ED-37C7-4CF2-8E40-73A527E50908}" type="datetime1">
               <a:rPr lang="vi-VN" smtClean="0"/>
-              <a:t>25/10/2021</a:t>
+              <a:t>16/11/2021</a:t>
             </a:fld>
             <a:endParaRPr lang="vi-VN"/>
           </a:p>
@@ -3088,9 +3439,9 @@
             </a:lvl1pPr>
           </a:lstStyle>
           <a:p>
-            <a:fld id="{761D61EA-8B4B-4088-BE46-29F6153D55D8}" type="datetimeFigureOut">
+            <a:fld id="{7FAA69D2-A0B2-43B5-903F-2BF5B10D3988}" type="datetime1">
               <a:rPr lang="vi-VN" smtClean="0"/>
-              <a:t>25/10/2021</a:t>
+              <a:t>16/11/2021</a:t>
             </a:fld>
             <a:endParaRPr lang="vi-VN"/>
           </a:p>
@@ -3207,6 +3558,7 @@
     <p:sldLayoutId id="2147483658" r:id="rId10"/>
     <p:sldLayoutId id="2147483659" r:id="rId11"/>
   </p:sldLayoutIdLst>
+  <p:hf hdr="0" ftr="0" dt="0"/>
   <p:txStyles>
     <p:titleStyle>
       <a:lvl1pPr algn="l" defTabSz="914400" rtl="0" eaLnBrk="1" latinLnBrk="0" hangingPunct="1">
@@ -3574,6 +3926,35 @@
           </a:p>
         </p:txBody>
       </p:sp>
+      <p:sp>
+        <p:nvSpPr>
+          <p:cNvPr id="4" name="Chỗ dành sẵn cho Số hiệu Bản chiếu 3">
+            <a:extLst>
+              <a:ext uri="{FF2B5EF4-FFF2-40B4-BE49-F238E27FC236}">
+                <a16:creationId xmlns:a16="http://schemas.microsoft.com/office/drawing/2014/main" id="{10AD5026-7097-43A9-A9F5-821CE42D021A}"/>
+              </a:ext>
+            </a:extLst>
+          </p:cNvPr>
+          <p:cNvSpPr>
+            <a:spLocks noGrp="1"/>
+          </p:cNvSpPr>
+          <p:nvPr>
+            <p:ph type="sldNum" sz="quarter" idx="12"/>
+          </p:nvPr>
+        </p:nvSpPr>
+        <p:spPr/>
+        <p:txBody>
+          <a:bodyPr/>
+          <a:lstStyle/>
+          <a:p>
+            <a:fld id="{480537A9-B8B1-481D-9BE4-179EB839AE15}" type="slidenum">
+              <a:rPr lang="vi-VN" smtClean="0"/>
+              <a:t>1</a:t>
+            </a:fld>
+            <a:endParaRPr lang="vi-VN"/>
+          </a:p>
+        </p:txBody>
+      </p:sp>
     </p:spTree>
     <p:extLst>
       <p:ext uri="{BB962C8B-B14F-4D97-AF65-F5344CB8AC3E}">
@@ -3675,8 +4056,8 @@
           </a:p>
         </p:txBody>
       </p:sp>
-      <mc:AlternateContent xmlns:mc="http://schemas.openxmlformats.org/markup-compatibility/2006">
-        <mc:Choice xmlns:p14="http://schemas.microsoft.com/office/powerpoint/2010/main" Requires="p14">
+      <mc:AlternateContent xmlns:mc="http://schemas.openxmlformats.org/markup-compatibility/2006" xmlns:p14="http://schemas.microsoft.com/office/powerpoint/2010/main">
+        <mc:Choice Requires="p14">
           <p:contentPart p14:bwMode="auto" r:id="rId2">
             <p14:nvContentPartPr>
               <p14:cNvPr id="5" name="Viết tay 4">
@@ -3695,7 +4076,7 @@
             </p14:xfrm>
           </p:contentPart>
         </mc:Choice>
-        <mc:Fallback>
+        <mc:Fallback xmlns="">
           <p:pic>
             <p:nvPicPr>
               <p:cNvPr id="5" name="Viết tay 4">
@@ -3726,6 +4107,35 @@
           </p:pic>
         </mc:Fallback>
       </mc:AlternateContent>
+      <p:sp>
+        <p:nvSpPr>
+          <p:cNvPr id="4" name="Chỗ dành sẵn cho Số hiệu Bản chiếu 3">
+            <a:extLst>
+              <a:ext uri="{FF2B5EF4-FFF2-40B4-BE49-F238E27FC236}">
+                <a16:creationId xmlns:a16="http://schemas.microsoft.com/office/drawing/2014/main" id="{66646A4C-ADFB-47CA-8A0D-D828FD95385E}"/>
+              </a:ext>
+            </a:extLst>
+          </p:cNvPr>
+          <p:cNvSpPr>
+            <a:spLocks noGrp="1"/>
+          </p:cNvSpPr>
+          <p:nvPr>
+            <p:ph type="sldNum" sz="quarter" idx="12"/>
+          </p:nvPr>
+        </p:nvSpPr>
+        <p:spPr/>
+        <p:txBody>
+          <a:bodyPr/>
+          <a:lstStyle/>
+          <a:p>
+            <a:fld id="{480537A9-B8B1-481D-9BE4-179EB839AE15}" type="slidenum">
+              <a:rPr lang="vi-VN" smtClean="0"/>
+              <a:t>10</a:t>
+            </a:fld>
+            <a:endParaRPr lang="vi-VN"/>
+          </a:p>
+        </p:txBody>
+      </p:sp>
     </p:spTree>
     <p:extLst>
       <p:ext uri="{BB962C8B-B14F-4D97-AF65-F5344CB8AC3E}">
@@ -3756,10 +4166,110 @@
           <a:chExt cx="0" cy="0"/>
         </a:xfrm>
       </p:grpSpPr>
+      <p:sp>
+        <p:nvSpPr>
+          <p:cNvPr id="2" name="Tiêu đề 1">
+            <a:extLst>
+              <a:ext uri="{FF2B5EF4-FFF2-40B4-BE49-F238E27FC236}">
+                <a16:creationId xmlns:a16="http://schemas.microsoft.com/office/drawing/2014/main" id="{4D59E394-0270-476E-82D8-6CD08D6AD94A}"/>
+              </a:ext>
+            </a:extLst>
+          </p:cNvPr>
+          <p:cNvSpPr>
+            <a:spLocks noGrp="1"/>
+          </p:cNvSpPr>
+          <p:nvPr>
+            <p:ph type="title"/>
+          </p:nvPr>
+        </p:nvSpPr>
+        <p:spPr/>
+        <p:txBody>
+          <a:bodyPr/>
+          <a:lstStyle/>
+          <a:p>
+            <a:r>
+              <a:rPr lang="en-US"/>
+              <a:t>Design UI/UX</a:t>
+            </a:r>
+            <a:endParaRPr lang="vi-VN"/>
+          </a:p>
+        </p:txBody>
+      </p:sp>
+      <p:sp>
+        <p:nvSpPr>
+          <p:cNvPr id="3" name="Chỗ dành sẵn cho Nội dung 2">
+            <a:extLst>
+              <a:ext uri="{FF2B5EF4-FFF2-40B4-BE49-F238E27FC236}">
+                <a16:creationId xmlns:a16="http://schemas.microsoft.com/office/drawing/2014/main" id="{B9B048BB-2B44-4AC5-8657-301E90BDF780}"/>
+              </a:ext>
+            </a:extLst>
+          </p:cNvPr>
+          <p:cNvSpPr>
+            <a:spLocks noGrp="1"/>
+          </p:cNvSpPr>
+          <p:nvPr>
+            <p:ph idx="1"/>
+          </p:nvPr>
+        </p:nvSpPr>
+        <p:spPr>
+          <a:xfrm>
+            <a:off x="838200" y="1825625"/>
+            <a:ext cx="10515600" cy="914401"/>
+          </a:xfrm>
+        </p:spPr>
+        <p:txBody>
+          <a:bodyPr/>
+          <a:lstStyle/>
+          <a:p>
+            <a:pPr marL="0" indent="0">
+              <a:buNone/>
+            </a:pPr>
+            <a:r>
+              <a:rPr lang="en-US"/>
+              <a:t>Fourth step: draw wireframe / prototype (use Figma)</a:t>
+            </a:r>
+          </a:p>
+          <a:p>
+            <a:pPr marL="0" indent="0">
+              <a:buNone/>
+            </a:pPr>
+            <a:endParaRPr lang="vi-VN"/>
+          </a:p>
+        </p:txBody>
+      </p:sp>
+      <p:sp>
+        <p:nvSpPr>
+          <p:cNvPr id="4" name="Chỗ dành sẵn cho Số hiệu Bản chiếu 3">
+            <a:extLst>
+              <a:ext uri="{FF2B5EF4-FFF2-40B4-BE49-F238E27FC236}">
+                <a16:creationId xmlns:a16="http://schemas.microsoft.com/office/drawing/2014/main" id="{FF7F8F3C-641C-4C83-A31A-4FBFE3C4AA19}"/>
+              </a:ext>
+            </a:extLst>
+          </p:cNvPr>
+          <p:cNvSpPr>
+            <a:spLocks noGrp="1"/>
+          </p:cNvSpPr>
+          <p:nvPr>
+            <p:ph type="sldNum" sz="quarter" idx="12"/>
+          </p:nvPr>
+        </p:nvSpPr>
+        <p:spPr/>
+        <p:txBody>
+          <a:bodyPr/>
+          <a:lstStyle/>
+          <a:p>
+            <a:fld id="{480537A9-B8B1-481D-9BE4-179EB839AE15}" type="slidenum">
+              <a:rPr lang="vi-VN" smtClean="0"/>
+              <a:t>11</a:t>
+            </a:fld>
+            <a:endParaRPr lang="vi-VN"/>
+          </a:p>
+        </p:txBody>
+      </p:sp>
     </p:spTree>
     <p:extLst>
       <p:ext uri="{BB962C8B-B14F-4D97-AF65-F5344CB8AC3E}">
-        <p14:creationId xmlns:p14="http://schemas.microsoft.com/office/powerpoint/2010/main" val="2957664632"/>
+        <p14:creationId xmlns:p14="http://schemas.microsoft.com/office/powerpoint/2010/main" val="1070751840"/>
       </p:ext>
     </p:extLst>
   </p:cSld>
@@ -3791,7 +4301,7 @@
           <p:cNvPr id="2" name="Tiêu đề 1">
             <a:extLst>
               <a:ext uri="{FF2B5EF4-FFF2-40B4-BE49-F238E27FC236}">
-                <a16:creationId xmlns:a16="http://schemas.microsoft.com/office/drawing/2014/main" id="{4D59E394-0270-476E-82D8-6CD08D6AD94A}"/>
+                <a16:creationId xmlns:a16="http://schemas.microsoft.com/office/drawing/2014/main" id="{30AF1D5B-96D7-47E7-93F9-F5A8DFF25A4F}"/>
               </a:ext>
             </a:extLst>
           </p:cNvPr>
@@ -3809,7 +4319,7 @@
           <a:p>
             <a:r>
               <a:rPr lang="en-US"/>
-              <a:t>Design UI/UX</a:t>
+              <a:t>Homework</a:t>
             </a:r>
             <a:endParaRPr lang="vi-VN"/>
           </a:p>
@@ -3820,7 +4330,7 @@
           <p:cNvPr id="3" name="Chỗ dành sẵn cho Nội dung 2">
             <a:extLst>
               <a:ext uri="{FF2B5EF4-FFF2-40B4-BE49-F238E27FC236}">
-                <a16:creationId xmlns:a16="http://schemas.microsoft.com/office/drawing/2014/main" id="{B9B048BB-2B44-4AC5-8657-301E90BDF780}"/>
+                <a16:creationId xmlns:a16="http://schemas.microsoft.com/office/drawing/2014/main" id="{22366723-663A-4B85-A50B-3EF4AF230F65}"/>
               </a:ext>
             </a:extLst>
           </p:cNvPr>
@@ -3831,12 +4341,7 @@
             <p:ph idx="1"/>
           </p:nvPr>
         </p:nvSpPr>
-        <p:spPr>
-          <a:xfrm>
-            <a:off x="838200" y="1825625"/>
-            <a:ext cx="10515600" cy="914401"/>
-          </a:xfrm>
-        </p:spPr>
+        <p:spPr/>
         <p:txBody>
           <a:bodyPr/>
           <a:lstStyle/>
@@ -3846,13 +4351,60 @@
             </a:pPr>
             <a:r>
               <a:rPr lang="en-US"/>
-              <a:t>Fourth step: draw wireframe / prototype (use Figma)</a:t>
+              <a:t>Usecase + Sequence diagram</a:t>
             </a:r>
           </a:p>
           <a:p>
             <a:pPr marL="0" indent="0">
               <a:buNone/>
             </a:pPr>
+            <a:r>
+              <a:rPr lang="en-US"/>
+              <a:t>Draw database diagram (submit on folder Diagram) and prototype of your project (replace link in README.md)</a:t>
+            </a:r>
+          </a:p>
+          <a:p>
+            <a:pPr marL="0" indent="0">
+              <a:buNone/>
+            </a:pPr>
+            <a:r>
+              <a:rPr lang="en-US"/>
+              <a:t>Deadline: 2 weeks</a:t>
+            </a:r>
+          </a:p>
+          <a:p>
+            <a:pPr marL="0" indent="0">
+              <a:buNone/>
+            </a:pPr>
+            <a:endParaRPr lang="en-US"/>
+          </a:p>
+        </p:txBody>
+      </p:sp>
+      <p:sp>
+        <p:nvSpPr>
+          <p:cNvPr id="4" name="Chỗ dành sẵn cho Số hiệu Bản chiếu 3">
+            <a:extLst>
+              <a:ext uri="{FF2B5EF4-FFF2-40B4-BE49-F238E27FC236}">
+                <a16:creationId xmlns:a16="http://schemas.microsoft.com/office/drawing/2014/main" id="{50F1E59F-2453-456C-A13F-F5FCBA0B5ED4}"/>
+              </a:ext>
+            </a:extLst>
+          </p:cNvPr>
+          <p:cNvSpPr>
+            <a:spLocks noGrp="1"/>
+          </p:cNvSpPr>
+          <p:nvPr>
+            <p:ph type="sldNum" sz="quarter" idx="12"/>
+          </p:nvPr>
+        </p:nvSpPr>
+        <p:spPr/>
+        <p:txBody>
+          <a:bodyPr/>
+          <a:lstStyle/>
+          <a:p>
+            <a:fld id="{480537A9-B8B1-481D-9BE4-179EB839AE15}" type="slidenum">
+              <a:rPr lang="vi-VN" smtClean="0"/>
+              <a:t>12</a:t>
+            </a:fld>
             <a:endParaRPr lang="vi-VN"/>
           </a:p>
         </p:txBody>
@@ -3860,7 +4412,7 @@
     </p:spTree>
     <p:extLst>
       <p:ext uri="{BB962C8B-B14F-4D97-AF65-F5344CB8AC3E}">
-        <p14:creationId xmlns:p14="http://schemas.microsoft.com/office/powerpoint/2010/main" val="1070751840"/>
+        <p14:creationId xmlns:p14="http://schemas.microsoft.com/office/powerpoint/2010/main" val="3492916418"/>
       </p:ext>
     </p:extLst>
   </p:cSld>
@@ -3892,120 +4444,6 @@
           <p:cNvPr id="2" name="Tiêu đề 1">
             <a:extLst>
               <a:ext uri="{FF2B5EF4-FFF2-40B4-BE49-F238E27FC236}">
-                <a16:creationId xmlns:a16="http://schemas.microsoft.com/office/drawing/2014/main" id="{30AF1D5B-96D7-47E7-93F9-F5A8DFF25A4F}"/>
-              </a:ext>
-            </a:extLst>
-          </p:cNvPr>
-          <p:cNvSpPr>
-            <a:spLocks noGrp="1"/>
-          </p:cNvSpPr>
-          <p:nvPr>
-            <p:ph type="title"/>
-          </p:nvPr>
-        </p:nvSpPr>
-        <p:spPr/>
-        <p:txBody>
-          <a:bodyPr/>
-          <a:lstStyle/>
-          <a:p>
-            <a:r>
-              <a:rPr lang="en-US"/>
-              <a:t>Homework</a:t>
-            </a:r>
-            <a:endParaRPr lang="vi-VN"/>
-          </a:p>
-        </p:txBody>
-      </p:sp>
-      <p:sp>
-        <p:nvSpPr>
-          <p:cNvPr id="3" name="Chỗ dành sẵn cho Nội dung 2">
-            <a:extLst>
-              <a:ext uri="{FF2B5EF4-FFF2-40B4-BE49-F238E27FC236}">
-                <a16:creationId xmlns:a16="http://schemas.microsoft.com/office/drawing/2014/main" id="{22366723-663A-4B85-A50B-3EF4AF230F65}"/>
-              </a:ext>
-            </a:extLst>
-          </p:cNvPr>
-          <p:cNvSpPr>
-            <a:spLocks noGrp="1"/>
-          </p:cNvSpPr>
-          <p:nvPr>
-            <p:ph idx="1"/>
-          </p:nvPr>
-        </p:nvSpPr>
-        <p:spPr/>
-        <p:txBody>
-          <a:bodyPr/>
-          <a:lstStyle/>
-          <a:p>
-            <a:pPr marL="0" indent="0">
-              <a:buNone/>
-            </a:pPr>
-            <a:r>
-              <a:rPr lang="en-US"/>
-              <a:t>Usecase + Sequence diagram</a:t>
-            </a:r>
-          </a:p>
-          <a:p>
-            <a:pPr marL="0" indent="0">
-              <a:buNone/>
-            </a:pPr>
-            <a:r>
-              <a:rPr lang="en-US"/>
-              <a:t>Draw database diagram (submit on folder Diagram) and prototype of your project (replace link in README.md)</a:t>
-            </a:r>
-          </a:p>
-          <a:p>
-            <a:pPr marL="0" indent="0">
-              <a:buNone/>
-            </a:pPr>
-            <a:r>
-              <a:rPr lang="en-US"/>
-              <a:t>Deadline: 2 weeks</a:t>
-            </a:r>
-          </a:p>
-          <a:p>
-            <a:pPr marL="0" indent="0">
-              <a:buNone/>
-            </a:pPr>
-            <a:endParaRPr lang="en-US"/>
-          </a:p>
-        </p:txBody>
-      </p:sp>
-    </p:spTree>
-    <p:extLst>
-      <p:ext uri="{BB962C8B-B14F-4D97-AF65-F5344CB8AC3E}">
-        <p14:creationId xmlns:p14="http://schemas.microsoft.com/office/powerpoint/2010/main" val="3492916418"/>
-      </p:ext>
-    </p:extLst>
-  </p:cSld>
-  <p:clrMapOvr>
-    <a:masterClrMapping/>
-  </p:clrMapOvr>
-</p:sld>
-</file>
-
-<file path=ppt/slides/slide14.xml><?xml version="1.0" encoding="utf-8"?>
-<p:sld xmlns:a="http://schemas.openxmlformats.org/drawingml/2006/main" xmlns:r="http://schemas.openxmlformats.org/officeDocument/2006/relationships" xmlns:p="http://schemas.openxmlformats.org/presentationml/2006/main">
-  <p:cSld>
-    <p:spTree>
-      <p:nvGrpSpPr>
-        <p:cNvPr id="1" name=""/>
-        <p:cNvGrpSpPr/>
-        <p:nvPr/>
-      </p:nvGrpSpPr>
-      <p:grpSpPr>
-        <a:xfrm>
-          <a:off x="0" y="0"/>
-          <a:ext cx="0" cy="0"/>
-          <a:chOff x="0" y="0"/>
-          <a:chExt cx="0" cy="0"/>
-        </a:xfrm>
-      </p:grpSpPr>
-      <p:sp>
-        <p:nvSpPr>
-          <p:cNvPr id="2" name="Tiêu đề 1">
-            <a:extLst>
-              <a:ext uri="{FF2B5EF4-FFF2-40B4-BE49-F238E27FC236}">
                 <a16:creationId xmlns:a16="http://schemas.microsoft.com/office/drawing/2014/main" id="{795E3B59-2632-488B-9E9F-875DFE7024F8}"/>
               </a:ext>
             </a:extLst>
@@ -4032,18 +4470,18 @@
       </p:sp>
       <p:sp>
         <p:nvSpPr>
-          <p:cNvPr id="3" name="Chỗ dành sẵn cho Nội dung 2">
-            <a:extLst>
-              <a:ext uri="{FF2B5EF4-FFF2-40B4-BE49-F238E27FC236}">
-                <a16:creationId xmlns:a16="http://schemas.microsoft.com/office/drawing/2014/main" id="{4712302B-FCF4-4E4C-B08B-12D2A57A15CD}"/>
-              </a:ext>
-            </a:extLst>
-          </p:cNvPr>
-          <p:cNvSpPr>
-            <a:spLocks noGrp="1"/>
-          </p:cNvSpPr>
-          <p:nvPr>
-            <p:ph idx="1"/>
+          <p:cNvPr id="4" name="Chỗ dành sẵn cho Số hiệu Bản chiếu 3">
+            <a:extLst>
+              <a:ext uri="{FF2B5EF4-FFF2-40B4-BE49-F238E27FC236}">
+                <a16:creationId xmlns:a16="http://schemas.microsoft.com/office/drawing/2014/main" id="{24C968C7-72B0-4BF7-9253-CCA3AC5ADD0A}"/>
+              </a:ext>
+            </a:extLst>
+          </p:cNvPr>
+          <p:cNvSpPr>
+            <a:spLocks noGrp="1"/>
+          </p:cNvSpPr>
+          <p:nvPr>
+            <p:ph type="sldNum" sz="quarter" idx="12"/>
           </p:nvPr>
         </p:nvSpPr>
         <p:spPr/>
@@ -4051,9 +4489,10 @@
           <a:bodyPr/>
           <a:lstStyle/>
           <a:p>
-            <a:pPr marL="0" indent="0">
-              <a:buNone/>
-            </a:pPr>
+            <a:fld id="{480537A9-B8B1-481D-9BE4-179EB839AE15}" type="slidenum">
+              <a:rPr lang="vi-VN" smtClean="0"/>
+              <a:t>13</a:t>
+            </a:fld>
             <a:endParaRPr lang="vi-VN"/>
           </a:p>
         </p:txBody>
@@ -5520,6 +5959,35 @@
           </a:graphicData>
         </a:graphic>
       </p:graphicFrame>
+      <p:sp>
+        <p:nvSpPr>
+          <p:cNvPr id="2" name="Chỗ dành sẵn cho Số hiệu Bản chiếu 1">
+            <a:extLst>
+              <a:ext uri="{FF2B5EF4-FFF2-40B4-BE49-F238E27FC236}">
+                <a16:creationId xmlns:a16="http://schemas.microsoft.com/office/drawing/2014/main" id="{07F253E2-85D1-4446-9C5F-3C2744810534}"/>
+              </a:ext>
+            </a:extLst>
+          </p:cNvPr>
+          <p:cNvSpPr>
+            <a:spLocks noGrp="1"/>
+          </p:cNvSpPr>
+          <p:nvPr>
+            <p:ph type="sldNum" sz="quarter" idx="12"/>
+          </p:nvPr>
+        </p:nvSpPr>
+        <p:spPr/>
+        <p:txBody>
+          <a:bodyPr/>
+          <a:lstStyle/>
+          <a:p>
+            <a:fld id="{480537A9-B8B1-481D-9BE4-179EB839AE15}" type="slidenum">
+              <a:rPr lang="vi-VN" smtClean="0"/>
+              <a:t>2</a:t>
+            </a:fld>
+            <a:endParaRPr lang="vi-VN"/>
+          </a:p>
+        </p:txBody>
+      </p:sp>
     </p:spTree>
     <p:extLst>
       <p:ext uri="{BB962C8B-B14F-4D97-AF65-F5344CB8AC3E}">
@@ -5628,6 +6096,35 @@
           </a:extLst>
         </p:spPr>
       </p:pic>
+      <p:sp>
+        <p:nvSpPr>
+          <p:cNvPr id="3" name="Chỗ dành sẵn cho Số hiệu Bản chiếu 2">
+            <a:extLst>
+              <a:ext uri="{FF2B5EF4-FFF2-40B4-BE49-F238E27FC236}">
+                <a16:creationId xmlns:a16="http://schemas.microsoft.com/office/drawing/2014/main" id="{BD8B801B-E52F-4176-B8AD-B8DA4406B627}"/>
+              </a:ext>
+            </a:extLst>
+          </p:cNvPr>
+          <p:cNvSpPr>
+            <a:spLocks noGrp="1"/>
+          </p:cNvSpPr>
+          <p:nvPr>
+            <p:ph type="sldNum" sz="quarter" idx="12"/>
+          </p:nvPr>
+        </p:nvSpPr>
+        <p:spPr/>
+        <p:txBody>
+          <a:bodyPr/>
+          <a:lstStyle/>
+          <a:p>
+            <a:fld id="{480537A9-B8B1-481D-9BE4-179EB839AE15}" type="slidenum">
+              <a:rPr lang="vi-VN" smtClean="0"/>
+              <a:t>3</a:t>
+            </a:fld>
+            <a:endParaRPr lang="vi-VN"/>
+          </a:p>
+        </p:txBody>
+      </p:sp>
     </p:spTree>
     <p:extLst>
       <p:ext uri="{BB962C8B-B14F-4D97-AF65-F5344CB8AC3E}">
@@ -5760,6 +6257,35 @@
           </a:p>
         </p:txBody>
       </p:sp>
+      <p:sp>
+        <p:nvSpPr>
+          <p:cNvPr id="4" name="Chỗ dành sẵn cho Số hiệu Bản chiếu 3">
+            <a:extLst>
+              <a:ext uri="{FF2B5EF4-FFF2-40B4-BE49-F238E27FC236}">
+                <a16:creationId xmlns:a16="http://schemas.microsoft.com/office/drawing/2014/main" id="{E80F380A-A290-434B-B2F5-4A5B325753E7}"/>
+              </a:ext>
+            </a:extLst>
+          </p:cNvPr>
+          <p:cNvSpPr>
+            <a:spLocks noGrp="1"/>
+          </p:cNvSpPr>
+          <p:nvPr>
+            <p:ph type="sldNum" sz="quarter" idx="12"/>
+          </p:nvPr>
+        </p:nvSpPr>
+        <p:spPr/>
+        <p:txBody>
+          <a:bodyPr/>
+          <a:lstStyle/>
+          <a:p>
+            <a:fld id="{480537A9-B8B1-481D-9BE4-179EB839AE15}" type="slidenum">
+              <a:rPr lang="vi-VN" smtClean="0"/>
+              <a:t>4</a:t>
+            </a:fld>
+            <a:endParaRPr lang="vi-VN"/>
+          </a:p>
+        </p:txBody>
+      </p:sp>
     </p:spTree>
     <p:extLst>
       <p:ext uri="{BB962C8B-B14F-4D97-AF65-F5344CB8AC3E}">
@@ -6047,6 +6573,35 @@
           </a:p>
         </p:txBody>
       </p:sp>
+      <p:sp>
+        <p:nvSpPr>
+          <p:cNvPr id="5" name="Chỗ dành sẵn cho Số hiệu Bản chiếu 4">
+            <a:extLst>
+              <a:ext uri="{FF2B5EF4-FFF2-40B4-BE49-F238E27FC236}">
+                <a16:creationId xmlns:a16="http://schemas.microsoft.com/office/drawing/2014/main" id="{90F65B7C-B8AE-4A46-968D-85037DF9625B}"/>
+              </a:ext>
+            </a:extLst>
+          </p:cNvPr>
+          <p:cNvSpPr>
+            <a:spLocks noGrp="1"/>
+          </p:cNvSpPr>
+          <p:nvPr>
+            <p:ph type="sldNum" sz="quarter" idx="12"/>
+          </p:nvPr>
+        </p:nvSpPr>
+        <p:spPr/>
+        <p:txBody>
+          <a:bodyPr/>
+          <a:lstStyle/>
+          <a:p>
+            <a:fld id="{480537A9-B8B1-481D-9BE4-179EB839AE15}" type="slidenum">
+              <a:rPr lang="vi-VN" smtClean="0"/>
+              <a:t>5</a:t>
+            </a:fld>
+            <a:endParaRPr lang="vi-VN"/>
+          </a:p>
+        </p:txBody>
+      </p:sp>
     </p:spTree>
     <p:extLst>
       <p:ext uri="{BB962C8B-B14F-4D97-AF65-F5344CB8AC3E}">
@@ -6178,6 +6733,35 @@
           </a:prstGeom>
         </p:spPr>
       </p:pic>
+      <p:sp>
+        <p:nvSpPr>
+          <p:cNvPr id="4" name="Chỗ dành sẵn cho Số hiệu Bản chiếu 3">
+            <a:extLst>
+              <a:ext uri="{FF2B5EF4-FFF2-40B4-BE49-F238E27FC236}">
+                <a16:creationId xmlns:a16="http://schemas.microsoft.com/office/drawing/2014/main" id="{662C6026-EF7F-4F6D-BD63-DA95B5E91E6A}"/>
+              </a:ext>
+            </a:extLst>
+          </p:cNvPr>
+          <p:cNvSpPr>
+            <a:spLocks noGrp="1"/>
+          </p:cNvSpPr>
+          <p:nvPr>
+            <p:ph type="sldNum" sz="quarter" idx="12"/>
+          </p:nvPr>
+        </p:nvSpPr>
+        <p:spPr/>
+        <p:txBody>
+          <a:bodyPr/>
+          <a:lstStyle/>
+          <a:p>
+            <a:fld id="{480537A9-B8B1-481D-9BE4-179EB839AE15}" type="slidenum">
+              <a:rPr lang="vi-VN" smtClean="0"/>
+              <a:t>6</a:t>
+            </a:fld>
+            <a:endParaRPr lang="vi-VN"/>
+          </a:p>
+        </p:txBody>
+      </p:sp>
     </p:spTree>
     <p:extLst>
       <p:ext uri="{BB962C8B-B14F-4D97-AF65-F5344CB8AC3E}">
@@ -6294,6 +6878,35 @@
           </a:p>
         </p:txBody>
       </p:sp>
+      <p:sp>
+        <p:nvSpPr>
+          <p:cNvPr id="4" name="Chỗ dành sẵn cho Số hiệu Bản chiếu 3">
+            <a:extLst>
+              <a:ext uri="{FF2B5EF4-FFF2-40B4-BE49-F238E27FC236}">
+                <a16:creationId xmlns:a16="http://schemas.microsoft.com/office/drawing/2014/main" id="{1CFAB23D-B170-4FE2-8205-F6CB20DF79C4}"/>
+              </a:ext>
+            </a:extLst>
+          </p:cNvPr>
+          <p:cNvSpPr>
+            <a:spLocks noGrp="1"/>
+          </p:cNvSpPr>
+          <p:nvPr>
+            <p:ph type="sldNum" sz="quarter" idx="12"/>
+          </p:nvPr>
+        </p:nvSpPr>
+        <p:spPr/>
+        <p:txBody>
+          <a:bodyPr/>
+          <a:lstStyle/>
+          <a:p>
+            <a:fld id="{480537A9-B8B1-481D-9BE4-179EB839AE15}" type="slidenum">
+              <a:rPr lang="vi-VN" smtClean="0"/>
+              <a:t>7</a:t>
+            </a:fld>
+            <a:endParaRPr lang="vi-VN"/>
+          </a:p>
+        </p:txBody>
+      </p:sp>
     </p:spTree>
     <p:extLst>
       <p:ext uri="{BB962C8B-B14F-4D97-AF65-F5344CB8AC3E}">
@@ -6408,6 +7021,35 @@
               <a:rPr lang="en-US"/>
               <a:t>DetailBook: show information of a specific book</a:t>
             </a:r>
+            <a:endParaRPr lang="vi-VN"/>
+          </a:p>
+        </p:txBody>
+      </p:sp>
+      <p:sp>
+        <p:nvSpPr>
+          <p:cNvPr id="4" name="Chỗ dành sẵn cho Số hiệu Bản chiếu 3">
+            <a:extLst>
+              <a:ext uri="{FF2B5EF4-FFF2-40B4-BE49-F238E27FC236}">
+                <a16:creationId xmlns:a16="http://schemas.microsoft.com/office/drawing/2014/main" id="{7776AB73-1C24-492F-A453-7A91E9453BF7}"/>
+              </a:ext>
+            </a:extLst>
+          </p:cNvPr>
+          <p:cNvSpPr>
+            <a:spLocks noGrp="1"/>
+          </p:cNvSpPr>
+          <p:nvPr>
+            <p:ph type="sldNum" sz="quarter" idx="12"/>
+          </p:nvPr>
+        </p:nvSpPr>
+        <p:spPr/>
+        <p:txBody>
+          <a:bodyPr/>
+          <a:lstStyle/>
+          <a:p>
+            <a:fld id="{480537A9-B8B1-481D-9BE4-179EB839AE15}" type="slidenum">
+              <a:rPr lang="vi-VN" smtClean="0"/>
+              <a:t>8</a:t>
+            </a:fld>
             <a:endParaRPr lang="vi-VN"/>
           </a:p>
         </p:txBody>
@@ -7125,6 +7767,35 @@
           </p:pic>
         </mc:Fallback>
       </mc:AlternateContent>
+      <p:sp>
+        <p:nvSpPr>
+          <p:cNvPr id="10" name="Chỗ dành sẵn cho Số hiệu Bản chiếu 9">
+            <a:extLst>
+              <a:ext uri="{FF2B5EF4-FFF2-40B4-BE49-F238E27FC236}">
+                <a16:creationId xmlns:a16="http://schemas.microsoft.com/office/drawing/2014/main" id="{DED1CCE2-8A22-417E-A34E-B8D6A7FA7DF3}"/>
+              </a:ext>
+            </a:extLst>
+          </p:cNvPr>
+          <p:cNvSpPr>
+            <a:spLocks noGrp="1"/>
+          </p:cNvSpPr>
+          <p:nvPr>
+            <p:ph type="sldNum" sz="quarter" idx="12"/>
+          </p:nvPr>
+        </p:nvSpPr>
+        <p:spPr/>
+        <p:txBody>
+          <a:bodyPr/>
+          <a:lstStyle/>
+          <a:p>
+            <a:fld id="{480537A9-B8B1-481D-9BE4-179EB839AE15}" type="slidenum">
+              <a:rPr lang="vi-VN" smtClean="0"/>
+              <a:t>9</a:t>
+            </a:fld>
+            <a:endParaRPr lang="vi-VN"/>
+          </a:p>
+        </p:txBody>
+      </p:sp>
     </p:spTree>
     <p:extLst>
       <p:ext uri="{BB962C8B-B14F-4D97-AF65-F5344CB8AC3E}">
@@ -7431,4 +8102,299 @@
     </a:ext>
   </a:extLst>
 </a:theme>
+</file>
+
+<file path=ppt/theme/theme2.xml><?xml version="1.0" encoding="utf-8"?>
+<a:theme xmlns:a="http://schemas.openxmlformats.org/drawingml/2006/main" name="Chủ đề Office">
+  <a:themeElements>
+    <a:clrScheme name="Office">
+      <a:dk1>
+        <a:sysClr val="windowText" lastClr="000000"/>
+      </a:dk1>
+      <a:lt1>
+        <a:sysClr val="window" lastClr="FFFFFF"/>
+      </a:lt1>
+      <a:dk2>
+        <a:srgbClr val="44546A"/>
+      </a:dk2>
+      <a:lt2>
+        <a:srgbClr val="E7E6E6"/>
+      </a:lt2>
+      <a:accent1>
+        <a:srgbClr val="4472C4"/>
+      </a:accent1>
+      <a:accent2>
+        <a:srgbClr val="ED7D31"/>
+      </a:accent2>
+      <a:accent3>
+        <a:srgbClr val="A5A5A5"/>
+      </a:accent3>
+      <a:accent4>
+        <a:srgbClr val="FFC000"/>
+      </a:accent4>
+      <a:accent5>
+        <a:srgbClr val="5B9BD5"/>
+      </a:accent5>
+      <a:accent6>
+        <a:srgbClr val="70AD47"/>
+      </a:accent6>
+      <a:hlink>
+        <a:srgbClr val="0563C1"/>
+      </a:hlink>
+      <a:folHlink>
+        <a:srgbClr val="954F72"/>
+      </a:folHlink>
+    </a:clrScheme>
+    <a:fontScheme name="Office">
+      <a:majorFont>
+        <a:latin typeface="Calibri Light" panose="020F0302020204030204"/>
+        <a:ea typeface=""/>
+        <a:cs typeface=""/>
+        <a:font script="Jpan" typeface="游ゴシック Light"/>
+        <a:font script="Hang" typeface="맑은 고딕"/>
+        <a:font script="Hans" typeface="等线 Light"/>
+        <a:font script="Hant" typeface="新細明體"/>
+        <a:font script="Arab" typeface="Times New Roman"/>
+        <a:font script="Hebr" typeface="Times New Roman"/>
+        <a:font script="Thai" typeface="Angsana New"/>
+        <a:font script="Ethi" typeface="Nyala"/>
+        <a:font script="Beng" typeface="Vrinda"/>
+        <a:font script="Gujr" typeface="Shruti"/>
+        <a:font script="Khmr" typeface="MoolBoran"/>
+        <a:font script="Knda" typeface="Tunga"/>
+        <a:font script="Guru" typeface="Raavi"/>
+        <a:font script="Cans" typeface="Euphemia"/>
+        <a:font script="Cher" typeface="Plantagenet Cherokee"/>
+        <a:font script="Yiii" typeface="Microsoft Yi Baiti"/>
+        <a:font script="Tibt" typeface="Microsoft Himalaya"/>
+        <a:font script="Thaa" typeface="MV Boli"/>
+        <a:font script="Deva" typeface="Mangal"/>
+        <a:font script="Telu" typeface="Gautami"/>
+        <a:font script="Taml" typeface="Latha"/>
+        <a:font script="Syrc" typeface="Estrangelo Edessa"/>
+        <a:font script="Orya" typeface="Kalinga"/>
+        <a:font script="Mlym" typeface="Kartika"/>
+        <a:font script="Laoo" typeface="DokChampa"/>
+        <a:font script="Sinh" typeface="Iskoola Pota"/>
+        <a:font script="Mong" typeface="Mongolian Baiti"/>
+        <a:font script="Viet" typeface="Times New Roman"/>
+        <a:font script="Uigh" typeface="Microsoft Uighur"/>
+        <a:font script="Geor" typeface="Sylfaen"/>
+        <a:font script="Armn" typeface="Arial"/>
+        <a:font script="Bugi" typeface="Leelawadee UI"/>
+        <a:font script="Bopo" typeface="Microsoft JhengHei"/>
+        <a:font script="Java" typeface="Javanese Text"/>
+        <a:font script="Lisu" typeface="Segoe UI"/>
+        <a:font script="Mymr" typeface="Myanmar Text"/>
+        <a:font script="Nkoo" typeface="Ebrima"/>
+        <a:font script="Olck" typeface="Nirmala UI"/>
+        <a:font script="Osma" typeface="Ebrima"/>
+        <a:font script="Phag" typeface="Phagspa"/>
+        <a:font script="Syrn" typeface="Estrangelo Edessa"/>
+        <a:font script="Syrj" typeface="Estrangelo Edessa"/>
+        <a:font script="Syre" typeface="Estrangelo Edessa"/>
+        <a:font script="Sora" typeface="Nirmala UI"/>
+        <a:font script="Tale" typeface="Microsoft Tai Le"/>
+        <a:font script="Talu" typeface="Microsoft New Tai Lue"/>
+        <a:font script="Tfng" typeface="Ebrima"/>
+      </a:majorFont>
+      <a:minorFont>
+        <a:latin typeface="Calibri" panose="020F0502020204030204"/>
+        <a:ea typeface=""/>
+        <a:cs typeface=""/>
+        <a:font script="Jpan" typeface="游ゴシック"/>
+        <a:font script="Hang" typeface="맑은 고딕"/>
+        <a:font script="Hans" typeface="等线"/>
+        <a:font script="Hant" typeface="新細明體"/>
+        <a:font script="Arab" typeface="Arial"/>
+        <a:font script="Hebr" typeface="Arial"/>
+        <a:font script="Thai" typeface="Cordia New"/>
+        <a:font script="Ethi" typeface="Nyala"/>
+        <a:font script="Beng" typeface="Vrinda"/>
+        <a:font script="Gujr" typeface="Shruti"/>
+        <a:font script="Khmr" typeface="DaunPenh"/>
+        <a:font script="Knda" typeface="Tunga"/>
+        <a:font script="Guru" typeface="Raavi"/>
+        <a:font script="Cans" typeface="Euphemia"/>
+        <a:font script="Cher" typeface="Plantagenet Cherokee"/>
+        <a:font script="Yiii" typeface="Microsoft Yi Baiti"/>
+        <a:font script="Tibt" typeface="Microsoft Himalaya"/>
+        <a:font script="Thaa" typeface="MV Boli"/>
+        <a:font script="Deva" typeface="Mangal"/>
+        <a:font script="Telu" typeface="Gautami"/>
+        <a:font script="Taml" typeface="Latha"/>
+        <a:font script="Syrc" typeface="Estrangelo Edessa"/>
+        <a:font script="Orya" typeface="Kalinga"/>
+        <a:font script="Mlym" typeface="Kartika"/>
+        <a:font script="Laoo" typeface="DokChampa"/>
+        <a:font script="Sinh" typeface="Iskoola Pota"/>
+        <a:font script="Mong" typeface="Mongolian Baiti"/>
+        <a:font script="Viet" typeface="Arial"/>
+        <a:font script="Uigh" typeface="Microsoft Uighur"/>
+        <a:font script="Geor" typeface="Sylfaen"/>
+        <a:font script="Armn" typeface="Arial"/>
+        <a:font script="Bugi" typeface="Leelawadee UI"/>
+        <a:font script="Bopo" typeface="Microsoft JhengHei"/>
+        <a:font script="Java" typeface="Javanese Text"/>
+        <a:font script="Lisu" typeface="Segoe UI"/>
+        <a:font script="Mymr" typeface="Myanmar Text"/>
+        <a:font script="Nkoo" typeface="Ebrima"/>
+        <a:font script="Olck" typeface="Nirmala UI"/>
+        <a:font script="Osma" typeface="Ebrima"/>
+        <a:font script="Phag" typeface="Phagspa"/>
+        <a:font script="Syrn" typeface="Estrangelo Edessa"/>
+        <a:font script="Syrj" typeface="Estrangelo Edessa"/>
+        <a:font script="Syre" typeface="Estrangelo Edessa"/>
+        <a:font script="Sora" typeface="Nirmala UI"/>
+        <a:font script="Tale" typeface="Microsoft Tai Le"/>
+        <a:font script="Talu" typeface="Microsoft New Tai Lue"/>
+        <a:font script="Tfng" typeface="Ebrima"/>
+      </a:minorFont>
+    </a:fontScheme>
+    <a:fmtScheme name="Office">
+      <a:fillStyleLst>
+        <a:solidFill>
+          <a:schemeClr val="phClr"/>
+        </a:solidFill>
+        <a:gradFill rotWithShape="1">
+          <a:gsLst>
+            <a:gs pos="0">
+              <a:schemeClr val="phClr">
+                <a:lumMod val="110000"/>
+                <a:satMod val="105000"/>
+                <a:tint val="67000"/>
+              </a:schemeClr>
+            </a:gs>
+            <a:gs pos="50000">
+              <a:schemeClr val="phClr">
+                <a:lumMod val="105000"/>
+                <a:satMod val="103000"/>
+                <a:tint val="73000"/>
+              </a:schemeClr>
+            </a:gs>
+            <a:gs pos="100000">
+              <a:schemeClr val="phClr">
+                <a:lumMod val="105000"/>
+                <a:satMod val="109000"/>
+                <a:tint val="81000"/>
+              </a:schemeClr>
+            </a:gs>
+          </a:gsLst>
+          <a:lin ang="5400000" scaled="0"/>
+        </a:gradFill>
+        <a:gradFill rotWithShape="1">
+          <a:gsLst>
+            <a:gs pos="0">
+              <a:schemeClr val="phClr">
+                <a:satMod val="103000"/>
+                <a:lumMod val="102000"/>
+                <a:tint val="94000"/>
+              </a:schemeClr>
+            </a:gs>
+            <a:gs pos="50000">
+              <a:schemeClr val="phClr">
+                <a:satMod val="110000"/>
+                <a:lumMod val="100000"/>
+                <a:shade val="100000"/>
+              </a:schemeClr>
+            </a:gs>
+            <a:gs pos="100000">
+              <a:schemeClr val="phClr">
+                <a:lumMod val="99000"/>
+                <a:satMod val="120000"/>
+                <a:shade val="78000"/>
+              </a:schemeClr>
+            </a:gs>
+          </a:gsLst>
+          <a:lin ang="5400000" scaled="0"/>
+        </a:gradFill>
+      </a:fillStyleLst>
+      <a:lnStyleLst>
+        <a:ln w="6350" cap="flat" cmpd="sng" algn="ctr">
+          <a:solidFill>
+            <a:schemeClr val="phClr"/>
+          </a:solidFill>
+          <a:prstDash val="solid"/>
+          <a:miter lim="800000"/>
+        </a:ln>
+        <a:ln w="12700" cap="flat" cmpd="sng" algn="ctr">
+          <a:solidFill>
+            <a:schemeClr val="phClr"/>
+          </a:solidFill>
+          <a:prstDash val="solid"/>
+          <a:miter lim="800000"/>
+        </a:ln>
+        <a:ln w="19050" cap="flat" cmpd="sng" algn="ctr">
+          <a:solidFill>
+            <a:schemeClr val="phClr"/>
+          </a:solidFill>
+          <a:prstDash val="solid"/>
+          <a:miter lim="800000"/>
+        </a:ln>
+      </a:lnStyleLst>
+      <a:effectStyleLst>
+        <a:effectStyle>
+          <a:effectLst/>
+        </a:effectStyle>
+        <a:effectStyle>
+          <a:effectLst/>
+        </a:effectStyle>
+        <a:effectStyle>
+          <a:effectLst>
+            <a:outerShdw blurRad="57150" dist="19050" dir="5400000" algn="ctr" rotWithShape="0">
+              <a:srgbClr val="000000">
+                <a:alpha val="63000"/>
+              </a:srgbClr>
+            </a:outerShdw>
+          </a:effectLst>
+        </a:effectStyle>
+      </a:effectStyleLst>
+      <a:bgFillStyleLst>
+        <a:solidFill>
+          <a:schemeClr val="phClr"/>
+        </a:solidFill>
+        <a:solidFill>
+          <a:schemeClr val="phClr">
+            <a:tint val="95000"/>
+            <a:satMod val="170000"/>
+          </a:schemeClr>
+        </a:solidFill>
+        <a:gradFill rotWithShape="1">
+          <a:gsLst>
+            <a:gs pos="0">
+              <a:schemeClr val="phClr">
+                <a:tint val="93000"/>
+                <a:satMod val="150000"/>
+                <a:shade val="98000"/>
+                <a:lumMod val="102000"/>
+              </a:schemeClr>
+            </a:gs>
+            <a:gs pos="50000">
+              <a:schemeClr val="phClr">
+                <a:tint val="98000"/>
+                <a:satMod val="130000"/>
+                <a:shade val="90000"/>
+                <a:lumMod val="103000"/>
+              </a:schemeClr>
+            </a:gs>
+            <a:gs pos="100000">
+              <a:schemeClr val="phClr">
+                <a:shade val="63000"/>
+                <a:satMod val="120000"/>
+              </a:schemeClr>
+            </a:gs>
+          </a:gsLst>
+          <a:lin ang="5400000" scaled="0"/>
+        </a:gradFill>
+      </a:bgFillStyleLst>
+    </a:fmtScheme>
+  </a:themeElements>
+  <a:objectDefaults/>
+  <a:extraClrSchemeLst/>
+  <a:extLst>
+    <a:ext uri="{05A4C25C-085E-4340-85A3-A5531E510DB2}">
+      <thm15:themeFamily xmlns:thm15="http://schemas.microsoft.com/office/thememl/2012/main" name="Office Theme" id="{62F939B6-93AF-4DB8-9C6B-D6C7DFDC589F}" vid="{4A3C46E8-61CC-4603-A589-7422A47A8E4A}"/>
+    </a:ext>
+  </a:extLst>
+</a:theme>
 </file>